--- a/HZ25-10-1平台单点预报说明文档.pptx
+++ b/HZ25-10-1平台单点预报说明文档.pptx
@@ -6,10 +6,11 @@
   </p:sldMasterIdLst>
   <p:sldIdLst>
     <p:sldId id="256" r:id="rId2"/>
-    <p:sldId id="261" r:id="rId3"/>
-    <p:sldId id="262" r:id="rId4"/>
-    <p:sldId id="257" r:id="rId5"/>
-    <p:sldId id="258" r:id="rId6"/>
+    <p:sldId id="263" r:id="rId3"/>
+    <p:sldId id="261" r:id="rId4"/>
+    <p:sldId id="262" r:id="rId5"/>
+    <p:sldId id="257" r:id="rId6"/>
+    <p:sldId id="258" r:id="rId7"/>
   </p:sldIdLst>
   <p:sldSz cx="12192000" cy="6858000"/>
   <p:notesSz cx="6858000" cy="9144000"/>
@@ -114,6 +115,7 @@
         <p14:section name="默认节" id="{748E98E0-034B-4531-B5E9-2F6C758D12F3}">
           <p14:sldIdLst>
             <p14:sldId id="256"/>
+            <p14:sldId id="263"/>
             <p14:sldId id="261"/>
           </p14:sldIdLst>
         </p14:section>
@@ -166,7 +168,7 @@
           <p:cNvPr id="2" name="标题 1">
             <a:extLst>
               <a:ext uri="{FF2B5EF4-FFF2-40B4-BE49-F238E27FC236}">
-                <a16:creationId xmlns="" xmlns:a16="http://schemas.microsoft.com/office/drawing/2014/main" id="{53C949D3-9A08-4D6A-A138-C0DE0297650B}"/>
+                <a16:creationId xmlns:a16="http://schemas.microsoft.com/office/drawing/2014/main" id="{53C949D3-9A08-4D6A-A138-C0DE0297650B}"/>
               </a:ext>
             </a:extLst>
           </p:cNvPr>
@@ -203,7 +205,7 @@
           <p:cNvPr id="3" name="副标题 2">
             <a:extLst>
               <a:ext uri="{FF2B5EF4-FFF2-40B4-BE49-F238E27FC236}">
-                <a16:creationId xmlns="" xmlns:a16="http://schemas.microsoft.com/office/drawing/2014/main" id="{FEFF90A7-3607-4021-AF90-95A8127E2B7F}"/>
+                <a16:creationId xmlns:a16="http://schemas.microsoft.com/office/drawing/2014/main" id="{FEFF90A7-3607-4021-AF90-95A8127E2B7F}"/>
               </a:ext>
             </a:extLst>
           </p:cNvPr>
@@ -273,7 +275,7 @@
           <p:cNvPr id="4" name="日期占位符 3">
             <a:extLst>
               <a:ext uri="{FF2B5EF4-FFF2-40B4-BE49-F238E27FC236}">
-                <a16:creationId xmlns="" xmlns:a16="http://schemas.microsoft.com/office/drawing/2014/main" id="{FD1EE030-9041-4433-94D8-5664EA412B61}"/>
+                <a16:creationId xmlns:a16="http://schemas.microsoft.com/office/drawing/2014/main" id="{FD1EE030-9041-4433-94D8-5664EA412B61}"/>
               </a:ext>
             </a:extLst>
           </p:cNvPr>
@@ -291,7 +293,7 @@
           <a:p>
             <a:fld id="{6A465375-4056-467D-A4D8-FDABD3E2ADC4}" type="datetimeFigureOut">
               <a:rPr lang="zh-CN" altLang="en-US" smtClean="0"/>
-              <a:t>2018/12/29</a:t>
+              <a:t>2019/1/26</a:t>
             </a:fld>
             <a:endParaRPr lang="zh-CN" altLang="en-US"/>
           </a:p>
@@ -302,7 +304,7 @@
           <p:cNvPr id="5" name="页脚占位符 4">
             <a:extLst>
               <a:ext uri="{FF2B5EF4-FFF2-40B4-BE49-F238E27FC236}">
-                <a16:creationId xmlns="" xmlns:a16="http://schemas.microsoft.com/office/drawing/2014/main" id="{53EB7311-BC53-46E6-9E30-697F0A7C6DA4}"/>
+                <a16:creationId xmlns:a16="http://schemas.microsoft.com/office/drawing/2014/main" id="{53EB7311-BC53-46E6-9E30-697F0A7C6DA4}"/>
               </a:ext>
             </a:extLst>
           </p:cNvPr>
@@ -327,7 +329,7 @@
           <p:cNvPr id="6" name="灯片编号占位符 5">
             <a:extLst>
               <a:ext uri="{FF2B5EF4-FFF2-40B4-BE49-F238E27FC236}">
-                <a16:creationId xmlns="" xmlns:a16="http://schemas.microsoft.com/office/drawing/2014/main" id="{98EB563E-05CC-464E-96F5-7364F66C8E25}"/>
+                <a16:creationId xmlns:a16="http://schemas.microsoft.com/office/drawing/2014/main" id="{98EB563E-05CC-464E-96F5-7364F66C8E25}"/>
               </a:ext>
             </a:extLst>
           </p:cNvPr>
@@ -386,7 +388,7 @@
           <p:cNvPr id="2" name="标题 1">
             <a:extLst>
               <a:ext uri="{FF2B5EF4-FFF2-40B4-BE49-F238E27FC236}">
-                <a16:creationId xmlns="" xmlns:a16="http://schemas.microsoft.com/office/drawing/2014/main" id="{52581FFF-7FA6-4440-A31D-44A04E174034}"/>
+                <a16:creationId xmlns:a16="http://schemas.microsoft.com/office/drawing/2014/main" id="{52581FFF-7FA6-4440-A31D-44A04E174034}"/>
               </a:ext>
             </a:extLst>
           </p:cNvPr>
@@ -414,7 +416,7 @@
           <p:cNvPr id="3" name="竖排文字占位符 2">
             <a:extLst>
               <a:ext uri="{FF2B5EF4-FFF2-40B4-BE49-F238E27FC236}">
-                <a16:creationId xmlns="" xmlns:a16="http://schemas.microsoft.com/office/drawing/2014/main" id="{DC8FFA98-746F-4FA2-A0B3-E57D58D2C731}"/>
+                <a16:creationId xmlns:a16="http://schemas.microsoft.com/office/drawing/2014/main" id="{DC8FFA98-746F-4FA2-A0B3-E57D58D2C731}"/>
               </a:ext>
             </a:extLst>
           </p:cNvPr>
@@ -471,7 +473,7 @@
           <p:cNvPr id="4" name="日期占位符 3">
             <a:extLst>
               <a:ext uri="{FF2B5EF4-FFF2-40B4-BE49-F238E27FC236}">
-                <a16:creationId xmlns="" xmlns:a16="http://schemas.microsoft.com/office/drawing/2014/main" id="{6DC6B6B1-071A-48F4-859C-5552417C8FB6}"/>
+                <a16:creationId xmlns:a16="http://schemas.microsoft.com/office/drawing/2014/main" id="{6DC6B6B1-071A-48F4-859C-5552417C8FB6}"/>
               </a:ext>
             </a:extLst>
           </p:cNvPr>
@@ -489,7 +491,7 @@
           <a:p>
             <a:fld id="{6A465375-4056-467D-A4D8-FDABD3E2ADC4}" type="datetimeFigureOut">
               <a:rPr lang="zh-CN" altLang="en-US" smtClean="0"/>
-              <a:t>2018/12/29</a:t>
+              <a:t>2019/1/26</a:t>
             </a:fld>
             <a:endParaRPr lang="zh-CN" altLang="en-US"/>
           </a:p>
@@ -500,7 +502,7 @@
           <p:cNvPr id="5" name="页脚占位符 4">
             <a:extLst>
               <a:ext uri="{FF2B5EF4-FFF2-40B4-BE49-F238E27FC236}">
-                <a16:creationId xmlns="" xmlns:a16="http://schemas.microsoft.com/office/drawing/2014/main" id="{2ABCCD0B-1CED-491D-8231-612DB1E7A108}"/>
+                <a16:creationId xmlns:a16="http://schemas.microsoft.com/office/drawing/2014/main" id="{2ABCCD0B-1CED-491D-8231-612DB1E7A108}"/>
               </a:ext>
             </a:extLst>
           </p:cNvPr>
@@ -525,7 +527,7 @@
           <p:cNvPr id="6" name="灯片编号占位符 5">
             <a:extLst>
               <a:ext uri="{FF2B5EF4-FFF2-40B4-BE49-F238E27FC236}">
-                <a16:creationId xmlns="" xmlns:a16="http://schemas.microsoft.com/office/drawing/2014/main" id="{F47A2ABB-E7C4-4D42-B8DE-397D78141089}"/>
+                <a16:creationId xmlns:a16="http://schemas.microsoft.com/office/drawing/2014/main" id="{F47A2ABB-E7C4-4D42-B8DE-397D78141089}"/>
               </a:ext>
             </a:extLst>
           </p:cNvPr>
@@ -584,7 +586,7 @@
           <p:cNvPr id="2" name="竖排标题 1">
             <a:extLst>
               <a:ext uri="{FF2B5EF4-FFF2-40B4-BE49-F238E27FC236}">
-                <a16:creationId xmlns="" xmlns:a16="http://schemas.microsoft.com/office/drawing/2014/main" id="{212FD67C-C09A-4C33-A873-3999819AAA53}"/>
+                <a16:creationId xmlns:a16="http://schemas.microsoft.com/office/drawing/2014/main" id="{212FD67C-C09A-4C33-A873-3999819AAA53}"/>
               </a:ext>
             </a:extLst>
           </p:cNvPr>
@@ -617,7 +619,7 @@
           <p:cNvPr id="3" name="竖排文字占位符 2">
             <a:extLst>
               <a:ext uri="{FF2B5EF4-FFF2-40B4-BE49-F238E27FC236}">
-                <a16:creationId xmlns="" xmlns:a16="http://schemas.microsoft.com/office/drawing/2014/main" id="{62264A36-EEFB-4FFC-87BB-745BB661E961}"/>
+                <a16:creationId xmlns:a16="http://schemas.microsoft.com/office/drawing/2014/main" id="{62264A36-EEFB-4FFC-87BB-745BB661E961}"/>
               </a:ext>
             </a:extLst>
           </p:cNvPr>
@@ -679,7 +681,7 @@
           <p:cNvPr id="4" name="日期占位符 3">
             <a:extLst>
               <a:ext uri="{FF2B5EF4-FFF2-40B4-BE49-F238E27FC236}">
-                <a16:creationId xmlns="" xmlns:a16="http://schemas.microsoft.com/office/drawing/2014/main" id="{BC3BF732-4EF5-40B4-A9E0-68DC263C1CD5}"/>
+                <a16:creationId xmlns:a16="http://schemas.microsoft.com/office/drawing/2014/main" id="{BC3BF732-4EF5-40B4-A9E0-68DC263C1CD5}"/>
               </a:ext>
             </a:extLst>
           </p:cNvPr>
@@ -697,7 +699,7 @@
           <a:p>
             <a:fld id="{6A465375-4056-467D-A4D8-FDABD3E2ADC4}" type="datetimeFigureOut">
               <a:rPr lang="zh-CN" altLang="en-US" smtClean="0"/>
-              <a:t>2018/12/29</a:t>
+              <a:t>2019/1/26</a:t>
             </a:fld>
             <a:endParaRPr lang="zh-CN" altLang="en-US"/>
           </a:p>
@@ -708,7 +710,7 @@
           <p:cNvPr id="5" name="页脚占位符 4">
             <a:extLst>
               <a:ext uri="{FF2B5EF4-FFF2-40B4-BE49-F238E27FC236}">
-                <a16:creationId xmlns="" xmlns:a16="http://schemas.microsoft.com/office/drawing/2014/main" id="{C4F624F7-3FB2-4FE4-BA4D-2BF429072EAB}"/>
+                <a16:creationId xmlns:a16="http://schemas.microsoft.com/office/drawing/2014/main" id="{C4F624F7-3FB2-4FE4-BA4D-2BF429072EAB}"/>
               </a:ext>
             </a:extLst>
           </p:cNvPr>
@@ -733,7 +735,7 @@
           <p:cNvPr id="6" name="灯片编号占位符 5">
             <a:extLst>
               <a:ext uri="{FF2B5EF4-FFF2-40B4-BE49-F238E27FC236}">
-                <a16:creationId xmlns="" xmlns:a16="http://schemas.microsoft.com/office/drawing/2014/main" id="{D11A64FA-F825-4ABF-BE94-FC8E223D4AE1}"/>
+                <a16:creationId xmlns:a16="http://schemas.microsoft.com/office/drawing/2014/main" id="{D11A64FA-F825-4ABF-BE94-FC8E223D4AE1}"/>
               </a:ext>
             </a:extLst>
           </p:cNvPr>
@@ -792,7 +794,7 @@
           <p:cNvPr id="2" name="标题 1">
             <a:extLst>
               <a:ext uri="{FF2B5EF4-FFF2-40B4-BE49-F238E27FC236}">
-                <a16:creationId xmlns="" xmlns:a16="http://schemas.microsoft.com/office/drawing/2014/main" id="{364DAE8F-431D-4001-A6F1-886DF9DE1F3D}"/>
+                <a16:creationId xmlns:a16="http://schemas.microsoft.com/office/drawing/2014/main" id="{364DAE8F-431D-4001-A6F1-886DF9DE1F3D}"/>
               </a:ext>
             </a:extLst>
           </p:cNvPr>
@@ -820,7 +822,7 @@
           <p:cNvPr id="3" name="内容占位符 2">
             <a:extLst>
               <a:ext uri="{FF2B5EF4-FFF2-40B4-BE49-F238E27FC236}">
-                <a16:creationId xmlns="" xmlns:a16="http://schemas.microsoft.com/office/drawing/2014/main" id="{620EEA25-38B7-43C3-A2AD-A37C5D600142}"/>
+                <a16:creationId xmlns:a16="http://schemas.microsoft.com/office/drawing/2014/main" id="{620EEA25-38B7-43C3-A2AD-A37C5D600142}"/>
               </a:ext>
             </a:extLst>
           </p:cNvPr>
@@ -877,7 +879,7 @@
           <p:cNvPr id="4" name="日期占位符 3">
             <a:extLst>
               <a:ext uri="{FF2B5EF4-FFF2-40B4-BE49-F238E27FC236}">
-                <a16:creationId xmlns="" xmlns:a16="http://schemas.microsoft.com/office/drawing/2014/main" id="{A53D684A-A8D0-4D13-ACF9-6E019AB53B85}"/>
+                <a16:creationId xmlns:a16="http://schemas.microsoft.com/office/drawing/2014/main" id="{A53D684A-A8D0-4D13-ACF9-6E019AB53B85}"/>
               </a:ext>
             </a:extLst>
           </p:cNvPr>
@@ -895,7 +897,7 @@
           <a:p>
             <a:fld id="{6A465375-4056-467D-A4D8-FDABD3E2ADC4}" type="datetimeFigureOut">
               <a:rPr lang="zh-CN" altLang="en-US" smtClean="0"/>
-              <a:t>2018/12/29</a:t>
+              <a:t>2019/1/26</a:t>
             </a:fld>
             <a:endParaRPr lang="zh-CN" altLang="en-US"/>
           </a:p>
@@ -906,7 +908,7 @@
           <p:cNvPr id="5" name="页脚占位符 4">
             <a:extLst>
               <a:ext uri="{FF2B5EF4-FFF2-40B4-BE49-F238E27FC236}">
-                <a16:creationId xmlns="" xmlns:a16="http://schemas.microsoft.com/office/drawing/2014/main" id="{A5B0C251-D715-4477-907C-3396978058FC}"/>
+                <a16:creationId xmlns:a16="http://schemas.microsoft.com/office/drawing/2014/main" id="{A5B0C251-D715-4477-907C-3396978058FC}"/>
               </a:ext>
             </a:extLst>
           </p:cNvPr>
@@ -931,7 +933,7 @@
           <p:cNvPr id="6" name="灯片编号占位符 5">
             <a:extLst>
               <a:ext uri="{FF2B5EF4-FFF2-40B4-BE49-F238E27FC236}">
-                <a16:creationId xmlns="" xmlns:a16="http://schemas.microsoft.com/office/drawing/2014/main" id="{F5C86CA9-3450-4945-98A1-F9AC50342042}"/>
+                <a16:creationId xmlns:a16="http://schemas.microsoft.com/office/drawing/2014/main" id="{F5C86CA9-3450-4945-98A1-F9AC50342042}"/>
               </a:ext>
             </a:extLst>
           </p:cNvPr>
@@ -990,7 +992,7 @@
           <p:cNvPr id="2" name="标题 1">
             <a:extLst>
               <a:ext uri="{FF2B5EF4-FFF2-40B4-BE49-F238E27FC236}">
-                <a16:creationId xmlns="" xmlns:a16="http://schemas.microsoft.com/office/drawing/2014/main" id="{E51B38A9-08F6-405B-9222-AEE307D8B8D9}"/>
+                <a16:creationId xmlns:a16="http://schemas.microsoft.com/office/drawing/2014/main" id="{E51B38A9-08F6-405B-9222-AEE307D8B8D9}"/>
               </a:ext>
             </a:extLst>
           </p:cNvPr>
@@ -1027,7 +1029,7 @@
           <p:cNvPr id="3" name="文本占位符 2">
             <a:extLst>
               <a:ext uri="{FF2B5EF4-FFF2-40B4-BE49-F238E27FC236}">
-                <a16:creationId xmlns="" xmlns:a16="http://schemas.microsoft.com/office/drawing/2014/main" id="{0D1113A2-CDC1-4471-BC26-6CE647BEED4A}"/>
+                <a16:creationId xmlns:a16="http://schemas.microsoft.com/office/drawing/2014/main" id="{0D1113A2-CDC1-4471-BC26-6CE647BEED4A}"/>
               </a:ext>
             </a:extLst>
           </p:cNvPr>
@@ -1152,7 +1154,7 @@
           <p:cNvPr id="4" name="日期占位符 3">
             <a:extLst>
               <a:ext uri="{FF2B5EF4-FFF2-40B4-BE49-F238E27FC236}">
-                <a16:creationId xmlns="" xmlns:a16="http://schemas.microsoft.com/office/drawing/2014/main" id="{9C27651A-6611-4FA4-9C32-1E989BED4B22}"/>
+                <a16:creationId xmlns:a16="http://schemas.microsoft.com/office/drawing/2014/main" id="{9C27651A-6611-4FA4-9C32-1E989BED4B22}"/>
               </a:ext>
             </a:extLst>
           </p:cNvPr>
@@ -1170,7 +1172,7 @@
           <a:p>
             <a:fld id="{6A465375-4056-467D-A4D8-FDABD3E2ADC4}" type="datetimeFigureOut">
               <a:rPr lang="zh-CN" altLang="en-US" smtClean="0"/>
-              <a:t>2018/12/29</a:t>
+              <a:t>2019/1/26</a:t>
             </a:fld>
             <a:endParaRPr lang="zh-CN" altLang="en-US"/>
           </a:p>
@@ -1181,7 +1183,7 @@
           <p:cNvPr id="5" name="页脚占位符 4">
             <a:extLst>
               <a:ext uri="{FF2B5EF4-FFF2-40B4-BE49-F238E27FC236}">
-                <a16:creationId xmlns="" xmlns:a16="http://schemas.microsoft.com/office/drawing/2014/main" id="{553201FB-0107-44A5-8676-9212B411CA04}"/>
+                <a16:creationId xmlns:a16="http://schemas.microsoft.com/office/drawing/2014/main" id="{553201FB-0107-44A5-8676-9212B411CA04}"/>
               </a:ext>
             </a:extLst>
           </p:cNvPr>
@@ -1206,7 +1208,7 @@
           <p:cNvPr id="6" name="灯片编号占位符 5">
             <a:extLst>
               <a:ext uri="{FF2B5EF4-FFF2-40B4-BE49-F238E27FC236}">
-                <a16:creationId xmlns="" xmlns:a16="http://schemas.microsoft.com/office/drawing/2014/main" id="{45E1ED79-A1C3-4483-978C-30293405E56E}"/>
+                <a16:creationId xmlns:a16="http://schemas.microsoft.com/office/drawing/2014/main" id="{45E1ED79-A1C3-4483-978C-30293405E56E}"/>
               </a:ext>
             </a:extLst>
           </p:cNvPr>
@@ -1265,7 +1267,7 @@
           <p:cNvPr id="2" name="标题 1">
             <a:extLst>
               <a:ext uri="{FF2B5EF4-FFF2-40B4-BE49-F238E27FC236}">
-                <a16:creationId xmlns="" xmlns:a16="http://schemas.microsoft.com/office/drawing/2014/main" id="{BAE0CFE3-F97C-454A-B181-6E9A2DA72CCB}"/>
+                <a16:creationId xmlns:a16="http://schemas.microsoft.com/office/drawing/2014/main" id="{BAE0CFE3-F97C-454A-B181-6E9A2DA72CCB}"/>
               </a:ext>
             </a:extLst>
           </p:cNvPr>
@@ -1293,7 +1295,7 @@
           <p:cNvPr id="3" name="内容占位符 2">
             <a:extLst>
               <a:ext uri="{FF2B5EF4-FFF2-40B4-BE49-F238E27FC236}">
-                <a16:creationId xmlns="" xmlns:a16="http://schemas.microsoft.com/office/drawing/2014/main" id="{91EA1ACE-0388-4BA9-A3E1-53F86DF1CFFD}"/>
+                <a16:creationId xmlns:a16="http://schemas.microsoft.com/office/drawing/2014/main" id="{91EA1ACE-0388-4BA9-A3E1-53F86DF1CFFD}"/>
               </a:ext>
             </a:extLst>
           </p:cNvPr>
@@ -1355,7 +1357,7 @@
           <p:cNvPr id="4" name="内容占位符 3">
             <a:extLst>
               <a:ext uri="{FF2B5EF4-FFF2-40B4-BE49-F238E27FC236}">
-                <a16:creationId xmlns="" xmlns:a16="http://schemas.microsoft.com/office/drawing/2014/main" id="{8616BA6C-419A-4A19-A49C-CC03D2787731}"/>
+                <a16:creationId xmlns:a16="http://schemas.microsoft.com/office/drawing/2014/main" id="{8616BA6C-419A-4A19-A49C-CC03D2787731}"/>
               </a:ext>
             </a:extLst>
           </p:cNvPr>
@@ -1417,7 +1419,7 @@
           <p:cNvPr id="5" name="日期占位符 4">
             <a:extLst>
               <a:ext uri="{FF2B5EF4-FFF2-40B4-BE49-F238E27FC236}">
-                <a16:creationId xmlns="" xmlns:a16="http://schemas.microsoft.com/office/drawing/2014/main" id="{37F8F3A7-A1E8-4388-929A-880F8C0EB300}"/>
+                <a16:creationId xmlns:a16="http://schemas.microsoft.com/office/drawing/2014/main" id="{37F8F3A7-A1E8-4388-929A-880F8C0EB300}"/>
               </a:ext>
             </a:extLst>
           </p:cNvPr>
@@ -1435,7 +1437,7 @@
           <a:p>
             <a:fld id="{6A465375-4056-467D-A4D8-FDABD3E2ADC4}" type="datetimeFigureOut">
               <a:rPr lang="zh-CN" altLang="en-US" smtClean="0"/>
-              <a:t>2018/12/29</a:t>
+              <a:t>2019/1/26</a:t>
             </a:fld>
             <a:endParaRPr lang="zh-CN" altLang="en-US"/>
           </a:p>
@@ -1446,7 +1448,7 @@
           <p:cNvPr id="6" name="页脚占位符 5">
             <a:extLst>
               <a:ext uri="{FF2B5EF4-FFF2-40B4-BE49-F238E27FC236}">
-                <a16:creationId xmlns="" xmlns:a16="http://schemas.microsoft.com/office/drawing/2014/main" id="{6D9B6D76-C08B-4E75-BD9D-F748A245E465}"/>
+                <a16:creationId xmlns:a16="http://schemas.microsoft.com/office/drawing/2014/main" id="{6D9B6D76-C08B-4E75-BD9D-F748A245E465}"/>
               </a:ext>
             </a:extLst>
           </p:cNvPr>
@@ -1471,7 +1473,7 @@
           <p:cNvPr id="7" name="灯片编号占位符 6">
             <a:extLst>
               <a:ext uri="{FF2B5EF4-FFF2-40B4-BE49-F238E27FC236}">
-                <a16:creationId xmlns="" xmlns:a16="http://schemas.microsoft.com/office/drawing/2014/main" id="{FAEC4110-D0B5-4C23-BD35-45F55247E790}"/>
+                <a16:creationId xmlns:a16="http://schemas.microsoft.com/office/drawing/2014/main" id="{FAEC4110-D0B5-4C23-BD35-45F55247E790}"/>
               </a:ext>
             </a:extLst>
           </p:cNvPr>
@@ -1530,7 +1532,7 @@
           <p:cNvPr id="2" name="标题 1">
             <a:extLst>
               <a:ext uri="{FF2B5EF4-FFF2-40B4-BE49-F238E27FC236}">
-                <a16:creationId xmlns="" xmlns:a16="http://schemas.microsoft.com/office/drawing/2014/main" id="{CD578F75-B7FA-4C2C-84F3-AB90CE916B05}"/>
+                <a16:creationId xmlns:a16="http://schemas.microsoft.com/office/drawing/2014/main" id="{CD578F75-B7FA-4C2C-84F3-AB90CE916B05}"/>
               </a:ext>
             </a:extLst>
           </p:cNvPr>
@@ -1563,7 +1565,7 @@
           <p:cNvPr id="3" name="文本占位符 2">
             <a:extLst>
               <a:ext uri="{FF2B5EF4-FFF2-40B4-BE49-F238E27FC236}">
-                <a16:creationId xmlns="" xmlns:a16="http://schemas.microsoft.com/office/drawing/2014/main" id="{4ED433CE-E68C-4D60-BAB1-0899164B2DBA}"/>
+                <a16:creationId xmlns:a16="http://schemas.microsoft.com/office/drawing/2014/main" id="{4ED433CE-E68C-4D60-BAB1-0899164B2DBA}"/>
               </a:ext>
             </a:extLst>
           </p:cNvPr>
@@ -1634,7 +1636,7 @@
           <p:cNvPr id="4" name="内容占位符 3">
             <a:extLst>
               <a:ext uri="{FF2B5EF4-FFF2-40B4-BE49-F238E27FC236}">
-                <a16:creationId xmlns="" xmlns:a16="http://schemas.microsoft.com/office/drawing/2014/main" id="{CB1822DC-BCA1-4455-B5D2-0F630136687E}"/>
+                <a16:creationId xmlns:a16="http://schemas.microsoft.com/office/drawing/2014/main" id="{CB1822DC-BCA1-4455-B5D2-0F630136687E}"/>
               </a:ext>
             </a:extLst>
           </p:cNvPr>
@@ -1696,7 +1698,7 @@
           <p:cNvPr id="5" name="文本占位符 4">
             <a:extLst>
               <a:ext uri="{FF2B5EF4-FFF2-40B4-BE49-F238E27FC236}">
-                <a16:creationId xmlns="" xmlns:a16="http://schemas.microsoft.com/office/drawing/2014/main" id="{187923DF-3644-441C-AE1B-6CA8C4865EF2}"/>
+                <a16:creationId xmlns:a16="http://schemas.microsoft.com/office/drawing/2014/main" id="{187923DF-3644-441C-AE1B-6CA8C4865EF2}"/>
               </a:ext>
             </a:extLst>
           </p:cNvPr>
@@ -1767,7 +1769,7 @@
           <p:cNvPr id="6" name="内容占位符 5">
             <a:extLst>
               <a:ext uri="{FF2B5EF4-FFF2-40B4-BE49-F238E27FC236}">
-                <a16:creationId xmlns="" xmlns:a16="http://schemas.microsoft.com/office/drawing/2014/main" id="{C1A8394F-DDCF-43BF-BE51-BB19CDC599B3}"/>
+                <a16:creationId xmlns:a16="http://schemas.microsoft.com/office/drawing/2014/main" id="{C1A8394F-DDCF-43BF-BE51-BB19CDC599B3}"/>
               </a:ext>
             </a:extLst>
           </p:cNvPr>
@@ -1829,7 +1831,7 @@
           <p:cNvPr id="7" name="日期占位符 6">
             <a:extLst>
               <a:ext uri="{FF2B5EF4-FFF2-40B4-BE49-F238E27FC236}">
-                <a16:creationId xmlns="" xmlns:a16="http://schemas.microsoft.com/office/drawing/2014/main" id="{019A26E8-60F1-4E09-AAEA-84719361E922}"/>
+                <a16:creationId xmlns:a16="http://schemas.microsoft.com/office/drawing/2014/main" id="{019A26E8-60F1-4E09-AAEA-84719361E922}"/>
               </a:ext>
             </a:extLst>
           </p:cNvPr>
@@ -1847,7 +1849,7 @@
           <a:p>
             <a:fld id="{6A465375-4056-467D-A4D8-FDABD3E2ADC4}" type="datetimeFigureOut">
               <a:rPr lang="zh-CN" altLang="en-US" smtClean="0"/>
-              <a:t>2018/12/29</a:t>
+              <a:t>2019/1/26</a:t>
             </a:fld>
             <a:endParaRPr lang="zh-CN" altLang="en-US"/>
           </a:p>
@@ -1858,7 +1860,7 @@
           <p:cNvPr id="8" name="页脚占位符 7">
             <a:extLst>
               <a:ext uri="{FF2B5EF4-FFF2-40B4-BE49-F238E27FC236}">
-                <a16:creationId xmlns="" xmlns:a16="http://schemas.microsoft.com/office/drawing/2014/main" id="{5B5914DC-D3B3-4AE0-8A42-3BC56863F3FD}"/>
+                <a16:creationId xmlns:a16="http://schemas.microsoft.com/office/drawing/2014/main" id="{5B5914DC-D3B3-4AE0-8A42-3BC56863F3FD}"/>
               </a:ext>
             </a:extLst>
           </p:cNvPr>
@@ -1883,7 +1885,7 @@
           <p:cNvPr id="9" name="灯片编号占位符 8">
             <a:extLst>
               <a:ext uri="{FF2B5EF4-FFF2-40B4-BE49-F238E27FC236}">
-                <a16:creationId xmlns="" xmlns:a16="http://schemas.microsoft.com/office/drawing/2014/main" id="{F15D700E-9C64-46F0-9B20-6553559B9C85}"/>
+                <a16:creationId xmlns:a16="http://schemas.microsoft.com/office/drawing/2014/main" id="{F15D700E-9C64-46F0-9B20-6553559B9C85}"/>
               </a:ext>
             </a:extLst>
           </p:cNvPr>
@@ -1942,7 +1944,7 @@
           <p:cNvPr id="2" name="标题 1">
             <a:extLst>
               <a:ext uri="{FF2B5EF4-FFF2-40B4-BE49-F238E27FC236}">
-                <a16:creationId xmlns="" xmlns:a16="http://schemas.microsoft.com/office/drawing/2014/main" id="{B3F56557-8AF2-4C9D-B29B-F455936CB52F}"/>
+                <a16:creationId xmlns:a16="http://schemas.microsoft.com/office/drawing/2014/main" id="{B3F56557-8AF2-4C9D-B29B-F455936CB52F}"/>
               </a:ext>
             </a:extLst>
           </p:cNvPr>
@@ -1970,7 +1972,7 @@
           <p:cNvPr id="3" name="日期占位符 2">
             <a:extLst>
               <a:ext uri="{FF2B5EF4-FFF2-40B4-BE49-F238E27FC236}">
-                <a16:creationId xmlns="" xmlns:a16="http://schemas.microsoft.com/office/drawing/2014/main" id="{A75C5354-4A78-411D-B181-C4E951CAC3BC}"/>
+                <a16:creationId xmlns:a16="http://schemas.microsoft.com/office/drawing/2014/main" id="{A75C5354-4A78-411D-B181-C4E951CAC3BC}"/>
               </a:ext>
             </a:extLst>
           </p:cNvPr>
@@ -1988,7 +1990,7 @@
           <a:p>
             <a:fld id="{6A465375-4056-467D-A4D8-FDABD3E2ADC4}" type="datetimeFigureOut">
               <a:rPr lang="zh-CN" altLang="en-US" smtClean="0"/>
-              <a:t>2018/12/29</a:t>
+              <a:t>2019/1/26</a:t>
             </a:fld>
             <a:endParaRPr lang="zh-CN" altLang="en-US"/>
           </a:p>
@@ -1999,7 +2001,7 @@
           <p:cNvPr id="4" name="页脚占位符 3">
             <a:extLst>
               <a:ext uri="{FF2B5EF4-FFF2-40B4-BE49-F238E27FC236}">
-                <a16:creationId xmlns="" xmlns:a16="http://schemas.microsoft.com/office/drawing/2014/main" id="{422E66F9-F773-43AF-A11B-4E7CBD02F278}"/>
+                <a16:creationId xmlns:a16="http://schemas.microsoft.com/office/drawing/2014/main" id="{422E66F9-F773-43AF-A11B-4E7CBD02F278}"/>
               </a:ext>
             </a:extLst>
           </p:cNvPr>
@@ -2024,7 +2026,7 @@
           <p:cNvPr id="5" name="灯片编号占位符 4">
             <a:extLst>
               <a:ext uri="{FF2B5EF4-FFF2-40B4-BE49-F238E27FC236}">
-                <a16:creationId xmlns="" xmlns:a16="http://schemas.microsoft.com/office/drawing/2014/main" id="{532A3341-7D12-47AF-9F38-007E36119F82}"/>
+                <a16:creationId xmlns:a16="http://schemas.microsoft.com/office/drawing/2014/main" id="{532A3341-7D12-47AF-9F38-007E36119F82}"/>
               </a:ext>
             </a:extLst>
           </p:cNvPr>
@@ -2083,7 +2085,7 @@
           <p:cNvPr id="2" name="日期占位符 1">
             <a:extLst>
               <a:ext uri="{FF2B5EF4-FFF2-40B4-BE49-F238E27FC236}">
-                <a16:creationId xmlns="" xmlns:a16="http://schemas.microsoft.com/office/drawing/2014/main" id="{90A4B74C-4F5F-4559-9631-C68C736C9524}"/>
+                <a16:creationId xmlns:a16="http://schemas.microsoft.com/office/drawing/2014/main" id="{90A4B74C-4F5F-4559-9631-C68C736C9524}"/>
               </a:ext>
             </a:extLst>
           </p:cNvPr>
@@ -2101,7 +2103,7 @@
           <a:p>
             <a:fld id="{6A465375-4056-467D-A4D8-FDABD3E2ADC4}" type="datetimeFigureOut">
               <a:rPr lang="zh-CN" altLang="en-US" smtClean="0"/>
-              <a:t>2018/12/29</a:t>
+              <a:t>2019/1/26</a:t>
             </a:fld>
             <a:endParaRPr lang="zh-CN" altLang="en-US"/>
           </a:p>
@@ -2112,7 +2114,7 @@
           <p:cNvPr id="3" name="页脚占位符 2">
             <a:extLst>
               <a:ext uri="{FF2B5EF4-FFF2-40B4-BE49-F238E27FC236}">
-                <a16:creationId xmlns="" xmlns:a16="http://schemas.microsoft.com/office/drawing/2014/main" id="{5EC9297A-492A-4A89-BD1F-273B951E733D}"/>
+                <a16:creationId xmlns:a16="http://schemas.microsoft.com/office/drawing/2014/main" id="{5EC9297A-492A-4A89-BD1F-273B951E733D}"/>
               </a:ext>
             </a:extLst>
           </p:cNvPr>
@@ -2137,7 +2139,7 @@
           <p:cNvPr id="4" name="灯片编号占位符 3">
             <a:extLst>
               <a:ext uri="{FF2B5EF4-FFF2-40B4-BE49-F238E27FC236}">
-                <a16:creationId xmlns="" xmlns:a16="http://schemas.microsoft.com/office/drawing/2014/main" id="{A604EAF8-A77E-4D91-A7F9-DE0147BCC49F}"/>
+                <a16:creationId xmlns:a16="http://schemas.microsoft.com/office/drawing/2014/main" id="{A604EAF8-A77E-4D91-A7F9-DE0147BCC49F}"/>
               </a:ext>
             </a:extLst>
           </p:cNvPr>
@@ -2196,7 +2198,7 @@
           <p:cNvPr id="2" name="标题 1">
             <a:extLst>
               <a:ext uri="{FF2B5EF4-FFF2-40B4-BE49-F238E27FC236}">
-                <a16:creationId xmlns="" xmlns:a16="http://schemas.microsoft.com/office/drawing/2014/main" id="{BC9AB639-F08C-49D6-8C00-8E4304010CDF}"/>
+                <a16:creationId xmlns:a16="http://schemas.microsoft.com/office/drawing/2014/main" id="{BC9AB639-F08C-49D6-8C00-8E4304010CDF}"/>
               </a:ext>
             </a:extLst>
           </p:cNvPr>
@@ -2233,7 +2235,7 @@
           <p:cNvPr id="3" name="内容占位符 2">
             <a:extLst>
               <a:ext uri="{FF2B5EF4-FFF2-40B4-BE49-F238E27FC236}">
-                <a16:creationId xmlns="" xmlns:a16="http://schemas.microsoft.com/office/drawing/2014/main" id="{F38B3E49-AA1B-4DDE-A269-1C994E4D4939}"/>
+                <a16:creationId xmlns:a16="http://schemas.microsoft.com/office/drawing/2014/main" id="{F38B3E49-AA1B-4DDE-A269-1C994E4D4939}"/>
               </a:ext>
             </a:extLst>
           </p:cNvPr>
@@ -2323,7 +2325,7 @@
           <p:cNvPr id="4" name="文本占位符 3">
             <a:extLst>
               <a:ext uri="{FF2B5EF4-FFF2-40B4-BE49-F238E27FC236}">
-                <a16:creationId xmlns="" xmlns:a16="http://schemas.microsoft.com/office/drawing/2014/main" id="{2885907F-0784-4958-93D7-D83064AA3402}"/>
+                <a16:creationId xmlns:a16="http://schemas.microsoft.com/office/drawing/2014/main" id="{2885907F-0784-4958-93D7-D83064AA3402}"/>
               </a:ext>
             </a:extLst>
           </p:cNvPr>
@@ -2394,7 +2396,7 @@
           <p:cNvPr id="5" name="日期占位符 4">
             <a:extLst>
               <a:ext uri="{FF2B5EF4-FFF2-40B4-BE49-F238E27FC236}">
-                <a16:creationId xmlns="" xmlns:a16="http://schemas.microsoft.com/office/drawing/2014/main" id="{6A375E42-3538-4318-BA6A-DC057B30BC0F}"/>
+                <a16:creationId xmlns:a16="http://schemas.microsoft.com/office/drawing/2014/main" id="{6A375E42-3538-4318-BA6A-DC057B30BC0F}"/>
               </a:ext>
             </a:extLst>
           </p:cNvPr>
@@ -2412,7 +2414,7 @@
           <a:p>
             <a:fld id="{6A465375-4056-467D-A4D8-FDABD3E2ADC4}" type="datetimeFigureOut">
               <a:rPr lang="zh-CN" altLang="en-US" smtClean="0"/>
-              <a:t>2018/12/29</a:t>
+              <a:t>2019/1/26</a:t>
             </a:fld>
             <a:endParaRPr lang="zh-CN" altLang="en-US"/>
           </a:p>
@@ -2423,7 +2425,7 @@
           <p:cNvPr id="6" name="页脚占位符 5">
             <a:extLst>
               <a:ext uri="{FF2B5EF4-FFF2-40B4-BE49-F238E27FC236}">
-                <a16:creationId xmlns="" xmlns:a16="http://schemas.microsoft.com/office/drawing/2014/main" id="{64C0B755-ADAE-47E7-BC7F-8B843F860A59}"/>
+                <a16:creationId xmlns:a16="http://schemas.microsoft.com/office/drawing/2014/main" id="{64C0B755-ADAE-47E7-BC7F-8B843F860A59}"/>
               </a:ext>
             </a:extLst>
           </p:cNvPr>
@@ -2448,7 +2450,7 @@
           <p:cNvPr id="7" name="灯片编号占位符 6">
             <a:extLst>
               <a:ext uri="{FF2B5EF4-FFF2-40B4-BE49-F238E27FC236}">
-                <a16:creationId xmlns="" xmlns:a16="http://schemas.microsoft.com/office/drawing/2014/main" id="{76F10171-EFAC-44C2-8D0E-DA56D21AE729}"/>
+                <a16:creationId xmlns:a16="http://schemas.microsoft.com/office/drawing/2014/main" id="{76F10171-EFAC-44C2-8D0E-DA56D21AE729}"/>
               </a:ext>
             </a:extLst>
           </p:cNvPr>
@@ -2507,7 +2509,7 @@
           <p:cNvPr id="2" name="标题 1">
             <a:extLst>
               <a:ext uri="{FF2B5EF4-FFF2-40B4-BE49-F238E27FC236}">
-                <a16:creationId xmlns="" xmlns:a16="http://schemas.microsoft.com/office/drawing/2014/main" id="{237693E4-33C8-4A32-8092-7245B9F74212}"/>
+                <a16:creationId xmlns:a16="http://schemas.microsoft.com/office/drawing/2014/main" id="{237693E4-33C8-4A32-8092-7245B9F74212}"/>
               </a:ext>
             </a:extLst>
           </p:cNvPr>
@@ -2544,7 +2546,7 @@
           <p:cNvPr id="3" name="图片占位符 2">
             <a:extLst>
               <a:ext uri="{FF2B5EF4-FFF2-40B4-BE49-F238E27FC236}">
-                <a16:creationId xmlns="" xmlns:a16="http://schemas.microsoft.com/office/drawing/2014/main" id="{F3D18D0E-8162-4201-BA12-E35A009A7D40}"/>
+                <a16:creationId xmlns:a16="http://schemas.microsoft.com/office/drawing/2014/main" id="{F3D18D0E-8162-4201-BA12-E35A009A7D40}"/>
               </a:ext>
             </a:extLst>
           </p:cNvPr>
@@ -2611,7 +2613,7 @@
           <p:cNvPr id="4" name="文本占位符 3">
             <a:extLst>
               <a:ext uri="{FF2B5EF4-FFF2-40B4-BE49-F238E27FC236}">
-                <a16:creationId xmlns="" xmlns:a16="http://schemas.microsoft.com/office/drawing/2014/main" id="{76276873-F2BC-4F38-86C0-8AC9E1F8AE04}"/>
+                <a16:creationId xmlns:a16="http://schemas.microsoft.com/office/drawing/2014/main" id="{76276873-F2BC-4F38-86C0-8AC9E1F8AE04}"/>
               </a:ext>
             </a:extLst>
           </p:cNvPr>
@@ -2682,7 +2684,7 @@
           <p:cNvPr id="5" name="日期占位符 4">
             <a:extLst>
               <a:ext uri="{FF2B5EF4-FFF2-40B4-BE49-F238E27FC236}">
-                <a16:creationId xmlns="" xmlns:a16="http://schemas.microsoft.com/office/drawing/2014/main" id="{38E497AE-7F2C-4325-B749-A53161561A91}"/>
+                <a16:creationId xmlns:a16="http://schemas.microsoft.com/office/drawing/2014/main" id="{38E497AE-7F2C-4325-B749-A53161561A91}"/>
               </a:ext>
             </a:extLst>
           </p:cNvPr>
@@ -2700,7 +2702,7 @@
           <a:p>
             <a:fld id="{6A465375-4056-467D-A4D8-FDABD3E2ADC4}" type="datetimeFigureOut">
               <a:rPr lang="zh-CN" altLang="en-US" smtClean="0"/>
-              <a:t>2018/12/29</a:t>
+              <a:t>2019/1/26</a:t>
             </a:fld>
             <a:endParaRPr lang="zh-CN" altLang="en-US"/>
           </a:p>
@@ -2711,7 +2713,7 @@
           <p:cNvPr id="6" name="页脚占位符 5">
             <a:extLst>
               <a:ext uri="{FF2B5EF4-FFF2-40B4-BE49-F238E27FC236}">
-                <a16:creationId xmlns="" xmlns:a16="http://schemas.microsoft.com/office/drawing/2014/main" id="{608A3E07-25D5-47DC-ADE6-A8B06D5B8F2B}"/>
+                <a16:creationId xmlns:a16="http://schemas.microsoft.com/office/drawing/2014/main" id="{608A3E07-25D5-47DC-ADE6-A8B06D5B8F2B}"/>
               </a:ext>
             </a:extLst>
           </p:cNvPr>
@@ -2736,7 +2738,7 @@
           <p:cNvPr id="7" name="灯片编号占位符 6">
             <a:extLst>
               <a:ext uri="{FF2B5EF4-FFF2-40B4-BE49-F238E27FC236}">
-                <a16:creationId xmlns="" xmlns:a16="http://schemas.microsoft.com/office/drawing/2014/main" id="{2BFBCA8A-AF4D-4E11-930E-40FFCD2EE376}"/>
+                <a16:creationId xmlns:a16="http://schemas.microsoft.com/office/drawing/2014/main" id="{2BFBCA8A-AF4D-4E11-930E-40FFCD2EE376}"/>
               </a:ext>
             </a:extLst>
           </p:cNvPr>
@@ -2800,7 +2802,7 @@
           <p:cNvPr id="2" name="标题占位符 1">
             <a:extLst>
               <a:ext uri="{FF2B5EF4-FFF2-40B4-BE49-F238E27FC236}">
-                <a16:creationId xmlns="" xmlns:a16="http://schemas.microsoft.com/office/drawing/2014/main" id="{75E532A0-53ED-4BA0-AC5C-CFB10FA79667}"/>
+                <a16:creationId xmlns:a16="http://schemas.microsoft.com/office/drawing/2014/main" id="{75E532A0-53ED-4BA0-AC5C-CFB10FA79667}"/>
               </a:ext>
             </a:extLst>
           </p:cNvPr>
@@ -2838,7 +2840,7 @@
           <p:cNvPr id="3" name="文本占位符 2">
             <a:extLst>
               <a:ext uri="{FF2B5EF4-FFF2-40B4-BE49-F238E27FC236}">
-                <a16:creationId xmlns="" xmlns:a16="http://schemas.microsoft.com/office/drawing/2014/main" id="{43E5CC6E-0646-4BF3-ABDF-4C304580B19D}"/>
+                <a16:creationId xmlns:a16="http://schemas.microsoft.com/office/drawing/2014/main" id="{43E5CC6E-0646-4BF3-ABDF-4C304580B19D}"/>
               </a:ext>
             </a:extLst>
           </p:cNvPr>
@@ -2905,7 +2907,7 @@
           <p:cNvPr id="4" name="日期占位符 3">
             <a:extLst>
               <a:ext uri="{FF2B5EF4-FFF2-40B4-BE49-F238E27FC236}">
-                <a16:creationId xmlns="" xmlns:a16="http://schemas.microsoft.com/office/drawing/2014/main" id="{9034BB4A-C33A-47F4-95BF-2406CCA98EE1}"/>
+                <a16:creationId xmlns:a16="http://schemas.microsoft.com/office/drawing/2014/main" id="{9034BB4A-C33A-47F4-95BF-2406CCA98EE1}"/>
               </a:ext>
             </a:extLst>
           </p:cNvPr>
@@ -2941,7 +2943,7 @@
           <a:p>
             <a:fld id="{6A465375-4056-467D-A4D8-FDABD3E2ADC4}" type="datetimeFigureOut">
               <a:rPr lang="zh-CN" altLang="en-US" smtClean="0"/>
-              <a:t>2018/12/29</a:t>
+              <a:t>2019/1/26</a:t>
             </a:fld>
             <a:endParaRPr lang="zh-CN" altLang="en-US"/>
           </a:p>
@@ -2952,7 +2954,7 @@
           <p:cNvPr id="5" name="页脚占位符 4">
             <a:extLst>
               <a:ext uri="{FF2B5EF4-FFF2-40B4-BE49-F238E27FC236}">
-                <a16:creationId xmlns="" xmlns:a16="http://schemas.microsoft.com/office/drawing/2014/main" id="{C3487536-5743-446E-91DE-F265AC329AF9}"/>
+                <a16:creationId xmlns:a16="http://schemas.microsoft.com/office/drawing/2014/main" id="{C3487536-5743-446E-91DE-F265AC329AF9}"/>
               </a:ext>
             </a:extLst>
           </p:cNvPr>
@@ -2995,7 +2997,7 @@
           <p:cNvPr id="6" name="灯片编号占位符 5">
             <a:extLst>
               <a:ext uri="{FF2B5EF4-FFF2-40B4-BE49-F238E27FC236}">
-                <a16:creationId xmlns="" xmlns:a16="http://schemas.microsoft.com/office/drawing/2014/main" id="{7F500C76-0052-4C4D-A485-5B3ED41BB456}"/>
+                <a16:creationId xmlns:a16="http://schemas.microsoft.com/office/drawing/2014/main" id="{7F500C76-0052-4C4D-A485-5B3ED41BB456}"/>
               </a:ext>
             </a:extLst>
           </p:cNvPr>
@@ -3429,31 +3431,166 @@
           <a:lstStyle/>
           <a:p>
             <a:r>
-              <a:rPr lang="zh-CN" altLang="en-US" dirty="0" smtClean="0">
+              <a:rPr lang="zh-CN" altLang="en-US" dirty="0">
                 <a:solidFill>
                   <a:srgbClr val="C00000"/>
                 </a:solidFill>
               </a:rPr>
               <a:t>前端打包和调试窗口</a:t>
             </a:r>
-            <a:endParaRPr lang="zh-CN" altLang="en-US" dirty="0">
+          </a:p>
+        </p:txBody>
+      </p:sp>
+      <p:sp>
+        <p:nvSpPr>
+          <p:cNvPr id="7" name="文本框 6"/>
+          <p:cNvSpPr txBox="1"/>
+          <p:nvPr/>
+        </p:nvSpPr>
+        <p:spPr>
+          <a:xfrm>
+            <a:off x="6771125" y="3305176"/>
+            <a:ext cx="1439818" cy="369332"/>
+          </a:xfrm>
+          <a:prstGeom prst="rect">
+            <a:avLst/>
+          </a:prstGeom>
+          <a:noFill/>
+        </p:spPr>
+        <p:txBody>
+          <a:bodyPr wrap="none" rtlCol="0">
+            <a:spAutoFit/>
+          </a:bodyPr>
+          <a:lstStyle/>
+          <a:p>
+            <a:r>
+              <a:rPr lang="zh-CN" altLang="en-US" dirty="0">
+                <a:solidFill>
+                  <a:srgbClr val="C00000"/>
+                </a:solidFill>
+              </a:rPr>
+              <a:t>后台</a:t>
+            </a:r>
+            <a:r>
+              <a:rPr lang="en-US" altLang="zh-CN" dirty="0">
+                <a:solidFill>
+                  <a:srgbClr val="C00000"/>
+                </a:solidFill>
+              </a:rPr>
+              <a:t>API</a:t>
+            </a:r>
+            <a:r>
+              <a:rPr lang="zh-CN" altLang="en-US" dirty="0">
+                <a:solidFill>
+                  <a:srgbClr val="C00000"/>
+                </a:solidFill>
+              </a:rPr>
+              <a:t>接口</a:t>
+            </a:r>
+          </a:p>
+        </p:txBody>
+      </p:sp>
+      <p:sp>
+        <p:nvSpPr>
+          <p:cNvPr id="8" name="文本框 7"/>
+          <p:cNvSpPr txBox="1"/>
+          <p:nvPr/>
+        </p:nvSpPr>
+        <p:spPr>
+          <a:xfrm>
+            <a:off x="466999" y="253922"/>
+            <a:ext cx="6946132" cy="646331"/>
+          </a:xfrm>
+          <a:prstGeom prst="rect">
+            <a:avLst/>
+          </a:prstGeom>
+          <a:noFill/>
+        </p:spPr>
+        <p:txBody>
+          <a:bodyPr wrap="none" rtlCol="0">
+            <a:spAutoFit/>
+          </a:bodyPr>
+          <a:lstStyle/>
+          <a:p>
+            <a:pPr marL="342900" indent="-342900">
+              <a:buAutoNum type="arabicPeriod"/>
+            </a:pPr>
+            <a:r>
+              <a:rPr lang="zh-CN" altLang="en-US" dirty="0">
+                <a:solidFill>
+                  <a:srgbClr val="C00000"/>
+                </a:solidFill>
+              </a:rPr>
+              <a:t>启动桌面上</a:t>
+            </a:r>
+            <a:r>
+              <a:rPr lang="zh-CN" altLang="en-US" dirty="0">
+                <a:solidFill>
+                  <a:srgbClr val="0070C0"/>
+                </a:solidFill>
+              </a:rPr>
+              <a:t>启动平台预报后端</a:t>
+            </a:r>
+            <a:r>
+              <a:rPr lang="en-US" altLang="zh-CN" dirty="0">
+                <a:solidFill>
+                  <a:srgbClr val="0070C0"/>
+                </a:solidFill>
+              </a:rPr>
+              <a:t>.bat</a:t>
+            </a:r>
+            <a:r>
+              <a:rPr lang="zh-CN" altLang="en-US" dirty="0">
+                <a:solidFill>
+                  <a:srgbClr val="C00000"/>
+                </a:solidFill>
+              </a:rPr>
+              <a:t>文件，会出现两个</a:t>
+            </a:r>
+            <a:r>
+              <a:rPr lang="en-US" altLang="zh-CN" dirty="0">
+                <a:solidFill>
+                  <a:srgbClr val="C00000"/>
+                </a:solidFill>
+              </a:rPr>
+              <a:t>CMD</a:t>
+            </a:r>
+            <a:r>
+              <a:rPr lang="zh-CN" altLang="en-US" dirty="0">
+                <a:solidFill>
+                  <a:srgbClr val="C00000"/>
+                </a:solidFill>
+              </a:rPr>
+              <a:t>窗口。</a:t>
+            </a:r>
+            <a:endParaRPr lang="en-US" altLang="zh-CN" dirty="0">
               <a:solidFill>
                 <a:srgbClr val="C00000"/>
               </a:solidFill>
             </a:endParaRPr>
           </a:p>
-        </p:txBody>
-      </p:sp>
-      <p:sp>
-        <p:nvSpPr>
-          <p:cNvPr id="7" name="文本框 6"/>
+          <a:p>
+            <a:r>
+              <a:rPr lang="zh-CN" altLang="en-US" dirty="0">
+                <a:solidFill>
+                  <a:srgbClr val="C00000"/>
+                </a:solidFill>
+              </a:rPr>
+              <a:t>      此后保持两个后台程序打开。如果已打开跳过次步骤</a:t>
+            </a:r>
+          </a:p>
+        </p:txBody>
+      </p:sp>
+      <p:sp>
+        <p:nvSpPr>
+          <p:cNvPr id="9" name="文本框 8"/>
           <p:cNvSpPr txBox="1"/>
           <p:nvPr/>
         </p:nvSpPr>
         <p:spPr>
           <a:xfrm>
-            <a:off x="6771125" y="3305176"/>
-            <a:ext cx="1439818" cy="369332"/>
+            <a:off x="466999" y="4961293"/>
+            <a:ext cx="5724644" cy="646331"/>
           </a:xfrm>
           <a:prstGeom prst="rect">
             <a:avLst/>
@@ -3467,258 +3604,149 @@
           <a:lstStyle/>
           <a:p>
             <a:r>
-              <a:rPr lang="zh-CN" altLang="en-US" dirty="0" smtClean="0">
+              <a:rPr lang="zh-CN" altLang="en-US" dirty="0">
                 <a:solidFill>
                   <a:srgbClr val="C00000"/>
                 </a:solidFill>
               </a:rPr>
-              <a:t>后台</a:t>
-            </a:r>
-            <a:r>
-              <a:rPr lang="en-US" altLang="zh-CN" dirty="0" smtClean="0">
-                <a:solidFill>
-                  <a:srgbClr val="C00000"/>
-                </a:solidFill>
-              </a:rPr>
-              <a:t>API</a:t>
-            </a:r>
-            <a:r>
-              <a:rPr lang="zh-CN" altLang="en-US" dirty="0" smtClean="0">
-                <a:solidFill>
-                  <a:srgbClr val="C00000"/>
-                </a:solidFill>
-              </a:rPr>
-              <a:t>接口</a:t>
-            </a:r>
-            <a:endParaRPr lang="zh-CN" altLang="en-US" dirty="0">
+              <a:t>注意：平时不要关闭这两个窗口。</a:t>
+            </a:r>
+            <a:endParaRPr lang="en-US" altLang="zh-CN" dirty="0">
               <a:solidFill>
                 <a:srgbClr val="C00000"/>
               </a:solidFill>
             </a:endParaRPr>
           </a:p>
-        </p:txBody>
-      </p:sp>
-      <p:sp>
-        <p:nvSpPr>
-          <p:cNvPr id="8" name="文本框 7"/>
-          <p:cNvSpPr txBox="1"/>
-          <p:nvPr/>
-        </p:nvSpPr>
-        <p:spPr>
-          <a:xfrm>
-            <a:off x="466999" y="253922"/>
-            <a:ext cx="6946132" cy="646331"/>
-          </a:xfrm>
-          <a:prstGeom prst="rect">
-            <a:avLst/>
-          </a:prstGeom>
-          <a:noFill/>
-        </p:spPr>
-        <p:txBody>
-          <a:bodyPr wrap="none" rtlCol="0">
-            <a:spAutoFit/>
-          </a:bodyPr>
-          <a:lstStyle/>
-          <a:p>
-            <a:pPr marL="342900" indent="-342900">
-              <a:buAutoNum type="arabicPeriod"/>
-            </a:pPr>
-            <a:r>
-              <a:rPr lang="zh-CN" altLang="en-US" dirty="0" smtClean="0">
+          <a:p>
+            <a:r>
+              <a:rPr lang="zh-CN" altLang="en-US" dirty="0">
                 <a:solidFill>
                   <a:srgbClr val="C00000"/>
                 </a:solidFill>
               </a:rPr>
-              <a:t>启动</a:t>
-            </a:r>
-            <a:r>
-              <a:rPr lang="zh-CN" altLang="en-US" dirty="0" smtClean="0">
-                <a:solidFill>
-                  <a:srgbClr val="C00000"/>
-                </a:solidFill>
-              </a:rPr>
-              <a:t>桌面</a:t>
-            </a:r>
-            <a:r>
-              <a:rPr lang="zh-CN" altLang="en-US" dirty="0">
-                <a:solidFill>
-                  <a:srgbClr val="C00000"/>
-                </a:solidFill>
-              </a:rPr>
-              <a:t>上</a:t>
-            </a:r>
-            <a:r>
-              <a:rPr lang="zh-CN" altLang="en-US" dirty="0">
-                <a:solidFill>
-                  <a:srgbClr val="0070C0"/>
-                </a:solidFill>
-              </a:rPr>
-              <a:t>启动平台预报后端</a:t>
-            </a:r>
-            <a:r>
-              <a:rPr lang="en-US" altLang="zh-CN" dirty="0" smtClean="0">
-                <a:solidFill>
-                  <a:srgbClr val="0070C0"/>
-                </a:solidFill>
-              </a:rPr>
-              <a:t>.</a:t>
-            </a:r>
-            <a:r>
-              <a:rPr lang="en-US" altLang="zh-CN" dirty="0" smtClean="0">
-                <a:solidFill>
-                  <a:srgbClr val="0070C0"/>
-                </a:solidFill>
-              </a:rPr>
-              <a:t>bat</a:t>
-            </a:r>
-            <a:r>
-              <a:rPr lang="zh-CN" altLang="en-US" dirty="0" smtClean="0">
-                <a:solidFill>
-                  <a:srgbClr val="C00000"/>
-                </a:solidFill>
-              </a:rPr>
-              <a:t>文件，会出现两个</a:t>
-            </a:r>
-            <a:r>
-              <a:rPr lang="en-US" altLang="zh-CN" dirty="0" smtClean="0">
-                <a:solidFill>
-                  <a:srgbClr val="C00000"/>
-                </a:solidFill>
-              </a:rPr>
-              <a:t>CMD</a:t>
-            </a:r>
-            <a:r>
-              <a:rPr lang="zh-CN" altLang="en-US" dirty="0" smtClean="0">
-                <a:solidFill>
-                  <a:srgbClr val="C00000"/>
-                </a:solidFill>
-              </a:rPr>
-              <a:t>窗口</a:t>
-            </a:r>
-            <a:r>
-              <a:rPr lang="zh-CN" altLang="en-US" dirty="0" smtClean="0">
-                <a:solidFill>
-                  <a:srgbClr val="C00000"/>
-                </a:solidFill>
-              </a:rPr>
-              <a:t>。</a:t>
-            </a:r>
-            <a:endParaRPr lang="en-US" altLang="zh-CN" dirty="0" smtClean="0">
-              <a:solidFill>
-                <a:srgbClr val="C00000"/>
-              </a:solidFill>
-            </a:endParaRPr>
-          </a:p>
-          <a:p>
-            <a:r>
-              <a:rPr lang="zh-CN" altLang="en-US" dirty="0" smtClean="0">
-                <a:solidFill>
-                  <a:srgbClr val="C00000"/>
-                </a:solidFill>
-              </a:rPr>
-              <a:t>      此后</a:t>
-            </a:r>
-            <a:r>
-              <a:rPr lang="zh-CN" altLang="en-US" dirty="0" smtClean="0">
-                <a:solidFill>
-                  <a:srgbClr val="C00000"/>
-                </a:solidFill>
-              </a:rPr>
-              <a:t>保持两个后台程序打开。如果已打开跳过次步骤</a:t>
-            </a:r>
-            <a:endParaRPr lang="zh-CN" altLang="en-US" dirty="0">
-              <a:solidFill>
-                <a:srgbClr val="C00000"/>
-              </a:solidFill>
-            </a:endParaRPr>
-          </a:p>
-        </p:txBody>
-      </p:sp>
-      <p:sp>
-        <p:nvSpPr>
-          <p:cNvPr id="9" name="文本框 8"/>
-          <p:cNvSpPr txBox="1"/>
-          <p:nvPr/>
-        </p:nvSpPr>
-        <p:spPr>
-          <a:xfrm>
-            <a:off x="466999" y="4961293"/>
-            <a:ext cx="5724644" cy="646331"/>
-          </a:xfrm>
-          <a:prstGeom prst="rect">
-            <a:avLst/>
-          </a:prstGeom>
-          <a:noFill/>
-        </p:spPr>
-        <p:txBody>
-          <a:bodyPr wrap="none" rtlCol="0">
-            <a:spAutoFit/>
-          </a:bodyPr>
-          <a:lstStyle/>
-          <a:p>
-            <a:r>
-              <a:rPr lang="zh-CN" altLang="en-US" dirty="0" smtClean="0">
-                <a:solidFill>
-                  <a:srgbClr val="C00000"/>
-                </a:solidFill>
-              </a:rPr>
-              <a:t>注意：</a:t>
-            </a:r>
-            <a:r>
-              <a:rPr lang="zh-CN" altLang="en-US" dirty="0">
-                <a:solidFill>
-                  <a:srgbClr val="C00000"/>
-                </a:solidFill>
-              </a:rPr>
-              <a:t>平时</a:t>
-            </a:r>
-            <a:r>
-              <a:rPr lang="zh-CN" altLang="en-US" dirty="0" smtClean="0">
-                <a:solidFill>
-                  <a:srgbClr val="C00000"/>
-                </a:solidFill>
-              </a:rPr>
-              <a:t>不要关闭这两个窗口。</a:t>
-            </a:r>
-            <a:endParaRPr lang="en-US" altLang="zh-CN" dirty="0" smtClean="0">
-              <a:solidFill>
-                <a:srgbClr val="C00000"/>
-              </a:solidFill>
-            </a:endParaRPr>
-          </a:p>
-          <a:p>
-            <a:r>
-              <a:rPr lang="zh-CN" altLang="en-US" dirty="0" smtClean="0">
-                <a:solidFill>
-                  <a:srgbClr val="C00000"/>
-                </a:solidFill>
-              </a:rPr>
-              <a:t>另外不能同时打开多份程序，会因端口</a:t>
-            </a:r>
-            <a:r>
-              <a:rPr lang="zh-CN" altLang="en-US" dirty="0">
-                <a:solidFill>
-                  <a:srgbClr val="C00000"/>
-                </a:solidFill>
-              </a:rPr>
-              <a:t>占用</a:t>
-            </a:r>
-            <a:r>
-              <a:rPr lang="zh-CN" altLang="en-US" dirty="0" smtClean="0">
-                <a:solidFill>
-                  <a:srgbClr val="C00000"/>
-                </a:solidFill>
-              </a:rPr>
-              <a:t>冲突而报错</a:t>
-            </a:r>
-            <a:endParaRPr lang="zh-CN" altLang="en-US" dirty="0">
-              <a:solidFill>
-                <a:srgbClr val="C00000"/>
-              </a:solidFill>
-            </a:endParaRPr>
-          </a:p>
-        </p:txBody>
-      </p:sp>
+              <a:t>另外不能同时打开多份程序，会因端口占用冲突而报错</a:t>
+            </a:r>
+          </a:p>
+        </p:txBody>
+      </p:sp>
+      <mc:AlternateContent xmlns:mc="http://schemas.openxmlformats.org/markup-compatibility/2006">
+        <mc:Choice xmlns:am3d="http://schemas.microsoft.com/office/drawing/2017/model3d" Requires="am3d">
+          <p:graphicFrame>
+            <p:nvGraphicFramePr>
+              <p:cNvPr id="3" name="3D 模型 2">
+                <a:extLst>
+                  <a:ext uri="{FF2B5EF4-FFF2-40B4-BE49-F238E27FC236}">
+                    <a16:creationId xmlns:a16="http://schemas.microsoft.com/office/drawing/2014/main" id="{F1450E0A-943C-4E63-AC00-12F4B36EDA24}"/>
+                  </a:ext>
+                </a:extLst>
+              </p:cNvPr>
+              <p:cNvGraphicFramePr>
+                <a:graphicFrameLocks noChangeAspect="1"/>
+              </p:cNvGraphicFramePr>
+              <p:nvPr/>
+            </p:nvGraphicFramePr>
+            <p:xfrm>
+              <a:off x="4027991" y="1693694"/>
+              <a:ext cx="4136017" cy="3470610"/>
+            </p:xfrm>
+            <a:graphic>
+              <a:graphicData uri="http://schemas.microsoft.com/office/drawing/2017/model3d">
+                <am3d:model3d r:embed="rId4">
+                  <am3d:spPr>
+                    <a:xfrm>
+                      <a:off x="0" y="0"/>
+                      <a:ext cx="4136017" cy="3470610"/>
+                    </a:xfrm>
+                    <a:prstGeom prst="rect">
+                      <a:avLst/>
+                    </a:prstGeom>
+                  </am3d:spPr>
+                  <am3d:camera>
+                    <am3d:pos x="0" y="0" z="68859665"/>
+                    <am3d:up dx="0" dy="36000000" dz="0"/>
+                    <am3d:lookAt x="0" y="0" z="0"/>
+                    <am3d:perspective fov="2700000"/>
+                  </am3d:camera>
+                  <am3d:trans>
+                    <am3d:meterPerModelUnit n="16566760" d="1000000"/>
+                    <am3d:preTrans dx="-44730504" dy="-15104045" dz="44730139"/>
+                    <am3d:scale>
+                      <am3d:sx n="1000000" d="1000000"/>
+                      <am3d:sy n="1000000" d="1000000"/>
+                      <am3d:sz n="1000000" d="1000000"/>
+                    </am3d:scale>
+                    <am3d:rot/>
+                    <am3d:postTrans dx="0" dy="0" dz="0"/>
+                  </am3d:trans>
+                  <am3d:raster rName="Office3DRenderer" rVer="16.0.8326">
+                    <am3d:blip r:embed="rId5"/>
+                  </am3d:raster>
+                  <am3d:objViewport viewportSz="5418666"/>
+                  <am3d:ambientLight>
+                    <am3d:clr>
+                      <a:scrgbClr r="50000" g="50000" b="50000"/>
+                    </am3d:clr>
+                    <am3d:illuminance n="500000" d="1000000"/>
+                  </am3d:ambientLight>
+                  <am3d:ptLight rad="0">
+                    <am3d:clr>
+                      <a:scrgbClr r="100000" g="75000" b="50000"/>
+                    </am3d:clr>
+                    <am3d:intensity n="9765625" d="1000000"/>
+                    <am3d:pos x="21959998" y="70920001" z="16344003"/>
+                  </am3d:ptLight>
+                  <am3d:ptLight rad="0">
+                    <am3d:clr>
+                      <a:scrgbClr r="40000" g="60000" b="95000"/>
+                    </am3d:clr>
+                    <am3d:intensity n="12250000" d="1000000"/>
+                    <am3d:pos x="-37964106" y="51130435" z="57631972"/>
+                  </am3d:ptLight>
+                  <am3d:ptLight rad="0">
+                    <am3d:clr>
+                      <a:scrgbClr r="86837" g="72700" b="100000"/>
+                    </am3d:clr>
+                    <am3d:intensity n="3125000" d="1000000"/>
+                    <am3d:pos x="-37739122" y="58056624" z="-34769649"/>
+                  </am3d:ptLight>
+                </am3d:model3d>
+              </a:graphicData>
+            </a:graphic>
+          </p:graphicFrame>
+        </mc:Choice>
+        <mc:Fallback>
+          <p:pic>
+            <p:nvPicPr>
+              <p:cNvPr id="3" name="3D 模型 2">
+                <a:extLst>
+                  <a:ext uri="{FF2B5EF4-FFF2-40B4-BE49-F238E27FC236}">
+                    <a16:creationId xmlns:a16="http://schemas.microsoft.com/office/drawing/2014/main" id="{F1450E0A-943C-4E63-AC00-12F4B36EDA24}"/>
+                  </a:ext>
+                </a:extLst>
+              </p:cNvPr>
+              <p:cNvPicPr>
+                <a:picLocks noGrp="1" noRot="1" noChangeAspect="1" noMove="1" noResize="1" noEditPoints="1" noAdjustHandles="1" noChangeArrowheads="1" noChangeShapeType="1" noCrop="1"/>
+              </p:cNvPicPr>
+              <p:nvPr/>
+            </p:nvPicPr>
+            <p:blipFill>
+              <a:blip r:embed="rId5"/>
+              <a:stretch>
+                <a:fillRect/>
+              </a:stretch>
+            </p:blipFill>
+            <p:spPr>
+              <a:xfrm>
+                <a:off x="4027991" y="1693694"/>
+                <a:ext cx="4136017" cy="3470610"/>
+              </a:xfrm>
+              <a:prstGeom prst="rect">
+                <a:avLst/>
+              </a:prstGeom>
+            </p:spPr>
+          </p:pic>
+        </mc:Fallback>
+      </mc:AlternateContent>
     </p:spTree>
     <p:extLst>
       <p:ext uri="{BB962C8B-B14F-4D97-AF65-F5344CB8AC3E}">
@@ -3729,13 +3757,6 @@
   <p:clrMapOvr>
     <a:masterClrMapping/>
   </p:clrMapOvr>
-  <p:timing>
-    <p:tnLst>
-      <p:par>
-        <p:cTn id="1" dur="indefinite" restart="never" nodeType="tmRoot"/>
-      </p:par>
-    </p:tnLst>
-  </p:timing>
 </p:sld>
 </file>
 
@@ -3756,16 +3777,64 @@
           <a:chExt cx="0" cy="0"/>
         </a:xfrm>
       </p:grpSpPr>
-      <p:sp>
-        <p:nvSpPr>
-          <p:cNvPr id="8" name="文本框 7"/>
+      <p:pic>
+        <p:nvPicPr>
+          <p:cNvPr id="2" name="图片 1"/>
+          <p:cNvPicPr>
+            <a:picLocks noChangeAspect="1"/>
+          </p:cNvPicPr>
+          <p:nvPr/>
+        </p:nvPicPr>
+        <p:blipFill>
+          <a:blip r:embed="rId2"/>
+          <a:stretch>
+            <a:fillRect/>
+          </a:stretch>
+        </p:blipFill>
+        <p:spPr>
+          <a:xfrm>
+            <a:off x="438817" y="1667050"/>
+            <a:ext cx="4380952" cy="2800000"/>
+          </a:xfrm>
+          <a:prstGeom prst="rect">
+            <a:avLst/>
+          </a:prstGeom>
+        </p:spPr>
+      </p:pic>
+      <p:pic>
+        <p:nvPicPr>
+          <p:cNvPr id="5" name="图片 4"/>
+          <p:cNvPicPr>
+            <a:picLocks noChangeAspect="1"/>
+          </p:cNvPicPr>
+          <p:nvPr/>
+        </p:nvPicPr>
+        <p:blipFill>
+          <a:blip r:embed="rId3"/>
+          <a:stretch>
+            <a:fillRect/>
+          </a:stretch>
+        </p:blipFill>
+        <p:spPr>
+          <a:xfrm>
+            <a:off x="5320467" y="1676575"/>
+            <a:ext cx="5780952" cy="2266667"/>
+          </a:xfrm>
+          <a:prstGeom prst="rect">
+            <a:avLst/>
+          </a:prstGeom>
+        </p:spPr>
+      </p:pic>
+      <p:sp>
+        <p:nvSpPr>
+          <p:cNvPr id="6" name="文本框 5"/>
           <p:cNvSpPr txBox="1"/>
           <p:nvPr/>
         </p:nvSpPr>
         <p:spPr>
           <a:xfrm>
-            <a:off x="0" y="324351"/>
-            <a:ext cx="7313220" cy="1200329"/>
+            <a:off x="1498214" y="3305175"/>
+            <a:ext cx="2262158" cy="369332"/>
           </a:xfrm>
           <a:prstGeom prst="rect">
             <a:avLst/>
@@ -3779,20 +3848,53 @@
           <a:lstStyle/>
           <a:p>
             <a:r>
-              <a:rPr lang="en-US" altLang="zh-CN" dirty="0" smtClean="0">
+              <a:rPr lang="zh-CN" altLang="en-US" dirty="0">
                 <a:solidFill>
                   <a:srgbClr val="C00000"/>
                 </a:solidFill>
               </a:rPr>
-              <a:t>2. </a:t>
-            </a:r>
-            <a:r>
-              <a:rPr lang="zh-CN" altLang="en-US" dirty="0" smtClean="0">
+              <a:t>前端打包和调试窗口</a:t>
+            </a:r>
+          </a:p>
+        </p:txBody>
+      </p:sp>
+      <p:sp>
+        <p:nvSpPr>
+          <p:cNvPr id="7" name="文本框 6"/>
+          <p:cNvSpPr txBox="1"/>
+          <p:nvPr/>
+        </p:nvSpPr>
+        <p:spPr>
+          <a:xfrm>
+            <a:off x="6771125" y="3305176"/>
+            <a:ext cx="1439818" cy="369332"/>
+          </a:xfrm>
+          <a:prstGeom prst="rect">
+            <a:avLst/>
+          </a:prstGeom>
+          <a:noFill/>
+        </p:spPr>
+        <p:txBody>
+          <a:bodyPr wrap="none" rtlCol="0">
+            <a:spAutoFit/>
+          </a:bodyPr>
+          <a:lstStyle/>
+          <a:p>
+            <a:r>
+              <a:rPr lang="zh-CN" altLang="en-US" dirty="0">
                 <a:solidFill>
                   <a:srgbClr val="C00000"/>
                 </a:solidFill>
               </a:rPr>
-              <a:t>启动桌面</a:t>
+              <a:t>后台</a:t>
+            </a:r>
+            <a:r>
+              <a:rPr lang="en-US" altLang="zh-CN" dirty="0">
+                <a:solidFill>
+                  <a:srgbClr val="C00000"/>
+                </a:solidFill>
+              </a:rPr>
+              <a:t>API</a:t>
             </a:r>
             <a:r>
               <a:rPr lang="zh-CN" altLang="en-US" dirty="0">
@@ -3800,15 +3902,51 @@
                   <a:srgbClr val="C00000"/>
                 </a:solidFill>
               </a:rPr>
-              <a:t>上</a:t>
-            </a:r>
+              <a:t>接口</a:t>
+            </a:r>
+          </a:p>
+        </p:txBody>
+      </p:sp>
+      <p:sp>
+        <p:nvSpPr>
+          <p:cNvPr id="8" name="文本框 7"/>
+          <p:cNvSpPr txBox="1"/>
+          <p:nvPr/>
+        </p:nvSpPr>
+        <p:spPr>
+          <a:xfrm>
+            <a:off x="466999" y="253922"/>
+            <a:ext cx="6946132" cy="646331"/>
+          </a:xfrm>
+          <a:prstGeom prst="rect">
+            <a:avLst/>
+          </a:prstGeom>
+          <a:noFill/>
+        </p:spPr>
+        <p:txBody>
+          <a:bodyPr wrap="none" rtlCol="0">
+            <a:spAutoFit/>
+          </a:bodyPr>
+          <a:lstStyle/>
+          <a:p>
+            <a:pPr marL="342900" indent="-342900">
+              <a:buAutoNum type="arabicPeriod"/>
+            </a:pPr>
             <a:r>
               <a:rPr lang="zh-CN" altLang="en-US" dirty="0">
                 <a:solidFill>
+                  <a:srgbClr val="C00000"/>
+                </a:solidFill>
+              </a:rPr>
+              <a:t>启动桌面上</a:t>
+            </a:r>
+            <a:r>
+              <a:rPr lang="zh-CN" altLang="en-US" dirty="0">
+                <a:solidFill>
                   <a:srgbClr val="0070C0"/>
                 </a:solidFill>
               </a:rPr>
-              <a:t>读取数据和生成</a:t>
+              <a:t>启动平台预报后端</a:t>
             </a:r>
             <a:r>
               <a:rPr lang="en-US" altLang="zh-CN" dirty="0">
@@ -3816,41 +3954,33 @@
                   <a:srgbClr val="0070C0"/>
                 </a:solidFill>
               </a:rPr>
-              <a:t>PDF.bat</a:t>
-            </a:r>
-            <a:r>
-              <a:rPr lang="zh-CN" altLang="en-US" dirty="0" smtClean="0">
+              <a:t>.bat</a:t>
+            </a:r>
+            <a:r>
+              <a:rPr lang="zh-CN" altLang="en-US" dirty="0">
                 <a:solidFill>
                   <a:srgbClr val="C00000"/>
                 </a:solidFill>
               </a:rPr>
-              <a:t>文件，此过程大概需要</a:t>
-            </a:r>
-            <a:r>
-              <a:rPr lang="en-US" altLang="zh-CN" dirty="0" smtClean="0">
+              <a:t>文件，会出现两个</a:t>
+            </a:r>
+            <a:r>
+              <a:rPr lang="en-US" altLang="zh-CN" dirty="0">
                 <a:solidFill>
                   <a:srgbClr val="C00000"/>
                 </a:solidFill>
               </a:rPr>
-              <a:t>1</a:t>
-            </a:r>
-            <a:r>
-              <a:rPr lang="zh-CN" altLang="en-US" dirty="0" smtClean="0">
+              <a:t>CMD</a:t>
+            </a:r>
+            <a:r>
+              <a:rPr lang="zh-CN" altLang="en-US" dirty="0">
                 <a:solidFill>
                   <a:srgbClr val="C00000"/>
                 </a:solidFill>
               </a:rPr>
-              <a:t>分多钟</a:t>
-            </a:r>
-            <a:r>
-              <a:rPr lang="zh-CN" altLang="en-US" dirty="0" smtClean="0">
-                <a:solidFill>
-                  <a:srgbClr val="C00000"/>
-                </a:solidFill>
-              </a:rPr>
-              <a:t>。</a:t>
-            </a:r>
-            <a:endParaRPr lang="en-US" altLang="zh-CN" dirty="0" smtClean="0">
+              <a:t>窗口。</a:t>
+            </a:r>
+            <a:endParaRPr lang="en-US" altLang="zh-CN" dirty="0">
               <a:solidFill>
                 <a:srgbClr val="C00000"/>
               </a:solidFill>
@@ -3858,54 +3988,47 @@
           </a:p>
           <a:p>
             <a:r>
-              <a:rPr lang="zh-CN" altLang="en-US" dirty="0" smtClean="0">
+              <a:rPr lang="zh-CN" altLang="en-US" dirty="0">
                 <a:solidFill>
                   <a:srgbClr val="C00000"/>
                 </a:solidFill>
               </a:rPr>
-              <a:t>完成</a:t>
-            </a:r>
-            <a:r>
-              <a:rPr lang="zh-CN" altLang="en-US" dirty="0" smtClean="0">
+              <a:t>      此后保持两个后台程序打开。如果已打开跳过次步骤</a:t>
+            </a:r>
+          </a:p>
+        </p:txBody>
+      </p:sp>
+      <p:sp>
+        <p:nvSpPr>
+          <p:cNvPr id="9" name="文本框 8"/>
+          <p:cNvSpPr txBox="1"/>
+          <p:nvPr/>
+        </p:nvSpPr>
+        <p:spPr>
+          <a:xfrm>
+            <a:off x="466999" y="4961293"/>
+            <a:ext cx="5724644" cy="646331"/>
+          </a:xfrm>
+          <a:prstGeom prst="rect">
+            <a:avLst/>
+          </a:prstGeom>
+          <a:noFill/>
+        </p:spPr>
+        <p:txBody>
+          <a:bodyPr wrap="none" rtlCol="0">
+            <a:spAutoFit/>
+          </a:bodyPr>
+          <a:lstStyle/>
+          <a:p>
+            <a:r>
+              <a:rPr lang="zh-CN" altLang="en-US" dirty="0">
                 <a:solidFill>
                   <a:srgbClr val="C00000"/>
                 </a:solidFill>
               </a:rPr>
-              <a:t>后会输出</a:t>
-            </a:r>
-            <a:r>
-              <a:rPr lang="en-US" altLang="zh-CN" dirty="0" smtClean="0">
-                <a:solidFill>
-                  <a:srgbClr val="C00000"/>
-                </a:solidFill>
-              </a:rPr>
-              <a:t>PDF</a:t>
-            </a:r>
-            <a:r>
-              <a:rPr lang="zh-CN" altLang="en-US" dirty="0" smtClean="0">
-                <a:solidFill>
-                  <a:srgbClr val="C00000"/>
-                </a:solidFill>
-              </a:rPr>
-              <a:t>文件，并且会打开</a:t>
-            </a:r>
-            <a:r>
-              <a:rPr lang="en-US" altLang="zh-CN" dirty="0" smtClean="0">
-                <a:solidFill>
-                  <a:srgbClr val="C00000"/>
-                </a:solidFill>
-              </a:rPr>
-              <a:t>PDF</a:t>
-            </a:r>
-            <a:r>
-              <a:rPr lang="zh-CN" altLang="en-US" dirty="0" smtClean="0">
-                <a:solidFill>
-                  <a:srgbClr val="C00000"/>
-                </a:solidFill>
-              </a:rPr>
-              <a:t>所在文件夹</a:t>
-            </a:r>
-            <a:endParaRPr lang="en-US" altLang="zh-CN" dirty="0" smtClean="0">
+              <a:t>注意：平时不要关闭这两个窗口。</a:t>
+            </a:r>
+            <a:endParaRPr lang="en-US" altLang="zh-CN" dirty="0">
               <a:solidFill>
                 <a:srgbClr val="C00000"/>
               </a:solidFill>
@@ -3913,36 +4036,227 @@
           </a:p>
           <a:p>
             <a:r>
-              <a:rPr lang="zh-CN" altLang="en-US" dirty="0" smtClean="0">
+              <a:rPr lang="zh-CN" altLang="en-US" dirty="0">
                 <a:solidFill>
                   <a:srgbClr val="C00000"/>
                 </a:solidFill>
               </a:rPr>
-              <a:t>本地</a:t>
-            </a:r>
-            <a:r>
-              <a:rPr lang="en-US" altLang="zh-CN" dirty="0" smtClean="0">
+              <a:t>另外不能同时打开多份程序，会因端口占用冲突而报错</a:t>
+            </a:r>
+          </a:p>
+        </p:txBody>
+      </p:sp>
+      <mc:AlternateContent xmlns:mc="http://schemas.openxmlformats.org/markup-compatibility/2006">
+        <mc:Choice xmlns:am3d="http://schemas.microsoft.com/office/drawing/2017/model3d" Requires="am3d">
+          <p:graphicFrame>
+            <p:nvGraphicFramePr>
+              <p:cNvPr id="3" name="3D 模型 2">
+                <a:extLst>
+                  <a:ext uri="{FF2B5EF4-FFF2-40B4-BE49-F238E27FC236}">
+                    <a16:creationId xmlns:a16="http://schemas.microsoft.com/office/drawing/2014/main" id="{F1450E0A-943C-4E63-AC00-12F4B36EDA24}"/>
+                  </a:ext>
+                </a:extLst>
+              </p:cNvPr>
+              <p:cNvGraphicFramePr>
+                <a:graphicFrameLocks noChangeAspect="1"/>
+              </p:cNvGraphicFramePr>
+              <p:nvPr>
+                <p:extLst>
+                  <p:ext uri="{D42A27DB-BD31-4B8C-83A1-F6EECF244321}">
+                    <p14:modId xmlns:p14="http://schemas.microsoft.com/office/powerpoint/2010/main" val="3428257636"/>
+                  </p:ext>
+                </p:extLst>
+              </p:nvPr>
+            </p:nvGraphicFramePr>
+            <p:xfrm>
+              <a:off x="4089328" y="1241324"/>
+              <a:ext cx="4013342" cy="4375349"/>
+            </p:xfrm>
+            <a:graphic>
+              <a:graphicData uri="http://schemas.microsoft.com/office/drawing/2017/model3d">
+                <am3d:model3d r:embed="rId4">
+                  <am3d:spPr>
+                    <a:xfrm>
+                      <a:off x="0" y="0"/>
+                      <a:ext cx="4013342" cy="4375349"/>
+                    </a:xfrm>
+                    <a:prstGeom prst="rect">
+                      <a:avLst/>
+                    </a:prstGeom>
+                  </am3d:spPr>
+                  <am3d:camera>
+                    <am3d:pos x="0" y="0" z="68859665"/>
+                    <am3d:up dx="0" dy="36000000" dz="0"/>
+                    <am3d:lookAt x="0" y="0" z="0"/>
+                    <am3d:perspective fov="2700000"/>
+                  </am3d:camera>
+                  <am3d:trans>
+                    <am3d:meterPerModelUnit n="16566760" d="1000000"/>
+                    <am3d:preTrans dx="-44730504" dy="-15104045" dz="44730139"/>
+                    <am3d:scale>
+                      <am3d:sx n="1000000" d="1000000"/>
+                      <am3d:sy n="1000000" d="1000000"/>
+                      <am3d:sz n="1000000" d="1000000"/>
+                    </am3d:scale>
+                    <am3d:rot ax="10193460" ay="4201552" az="10229234"/>
+                    <am3d:postTrans dx="0" dy="0" dz="0"/>
+                  </am3d:trans>
+                  <am3d:raster rName="Office3DRenderer" rVer="16.0.8326">
+                    <am3d:blip r:embed="rId5"/>
+                  </am3d:raster>
+                  <am3d:objViewport viewportSz="5418665"/>
+                  <am3d:ambientLight>
+                    <am3d:clr>
+                      <a:scrgbClr r="50000" g="50000" b="50000"/>
+                    </am3d:clr>
+                    <am3d:illuminance n="500000" d="1000000"/>
+                  </am3d:ambientLight>
+                  <am3d:ptLight rad="0">
+                    <am3d:clr>
+                      <a:scrgbClr r="100000" g="75000" b="50000"/>
+                    </am3d:clr>
+                    <am3d:intensity n="9765625" d="1000000"/>
+                    <am3d:pos x="21959998" y="70920001" z="16344003"/>
+                  </am3d:ptLight>
+                  <am3d:ptLight rad="0">
+                    <am3d:clr>
+                      <a:scrgbClr r="40000" g="60000" b="95000"/>
+                    </am3d:clr>
+                    <am3d:intensity n="12250000" d="1000000"/>
+                    <am3d:pos x="-37964106" y="51130435" z="57631972"/>
+                  </am3d:ptLight>
+                  <am3d:ptLight rad="0">
+                    <am3d:clr>
+                      <a:scrgbClr r="86837" g="72700" b="100000"/>
+                    </am3d:clr>
+                    <am3d:intensity n="3125000" d="1000000"/>
+                    <am3d:pos x="-37739122" y="58056624" z="-34769649"/>
+                  </am3d:ptLight>
+                </am3d:model3d>
+              </a:graphicData>
+            </a:graphic>
+          </p:graphicFrame>
+        </mc:Choice>
+        <mc:Fallback>
+          <p:pic>
+            <p:nvPicPr>
+              <p:cNvPr id="3" name="3D 模型 2">
+                <a:extLst>
+                  <a:ext uri="{FF2B5EF4-FFF2-40B4-BE49-F238E27FC236}">
+                    <a16:creationId xmlns:a16="http://schemas.microsoft.com/office/drawing/2014/main" id="{F1450E0A-943C-4E63-AC00-12F4B36EDA24}"/>
+                  </a:ext>
+                </a:extLst>
+              </p:cNvPr>
+              <p:cNvPicPr>
+                <a:picLocks noGrp="1" noRot="1" noChangeAspect="1" noMove="1" noResize="1" noEditPoints="1" noAdjustHandles="1" noChangeArrowheads="1" noChangeShapeType="1" noCrop="1"/>
+              </p:cNvPicPr>
+              <p:nvPr/>
+            </p:nvPicPr>
+            <p:blipFill>
+              <a:blip r:embed="rId5"/>
+              <a:stretch>
+                <a:fillRect/>
+              </a:stretch>
+            </p:blipFill>
+            <p:spPr>
+              <a:xfrm>
+                <a:off x="4089328" y="1241324"/>
+                <a:ext cx="4013342" cy="4375349"/>
+              </a:xfrm>
+              <a:prstGeom prst="rect">
+                <a:avLst/>
+              </a:prstGeom>
+            </p:spPr>
+          </p:pic>
+        </mc:Fallback>
+      </mc:AlternateContent>
+    </p:spTree>
+    <p:extLst>
+      <p:ext uri="{BB962C8B-B14F-4D97-AF65-F5344CB8AC3E}">
+        <p14:creationId xmlns:p14="http://schemas.microsoft.com/office/powerpoint/2010/main" val="829671720"/>
+      </p:ext>
+    </p:extLst>
+  </p:cSld>
+  <p:clrMapOvr>
+    <a:masterClrMapping/>
+  </p:clrMapOvr>
+  <mc:AlternateContent xmlns:mc="http://schemas.openxmlformats.org/markup-compatibility/2006">
+    <mc:Choice xmlns:p159="http://schemas.microsoft.com/office/powerpoint/2015/09/main" Requires="p159">
+      <p:transition xmlns:p14="http://schemas.microsoft.com/office/powerpoint/2010/main" spd="slow" p14:dur="2000">
+        <p159:morph option="byObject"/>
+      </p:transition>
+    </mc:Choice>
+    <mc:Fallback>
+      <p:transition spd="slow">
+        <p:fade/>
+      </p:transition>
+    </mc:Fallback>
+  </mc:AlternateContent>
+</p:sld>
+</file>
+
+<file path=ppt/slides/slide3.xml><?xml version="1.0" encoding="utf-8"?>
+<p:sld xmlns:a="http://schemas.openxmlformats.org/drawingml/2006/main" xmlns:r="http://schemas.openxmlformats.org/officeDocument/2006/relationships" xmlns:p="http://schemas.openxmlformats.org/presentationml/2006/main">
+  <p:cSld>
+    <p:spTree>
+      <p:nvGrpSpPr>
+        <p:cNvPr id="1" name=""/>
+        <p:cNvGrpSpPr/>
+        <p:nvPr/>
+      </p:nvGrpSpPr>
+      <p:grpSpPr>
+        <a:xfrm>
+          <a:off x="0" y="0"/>
+          <a:ext cx="0" cy="0"/>
+          <a:chOff x="0" y="0"/>
+          <a:chExt cx="0" cy="0"/>
+        </a:xfrm>
+      </p:grpSpPr>
+      <p:sp>
+        <p:nvSpPr>
+          <p:cNvPr id="8" name="文本框 7"/>
+          <p:cNvSpPr txBox="1"/>
+          <p:nvPr/>
+        </p:nvSpPr>
+        <p:spPr>
+          <a:xfrm>
+            <a:off x="0" y="324351"/>
+            <a:ext cx="7313220" cy="1200329"/>
+          </a:xfrm>
+          <a:prstGeom prst="rect">
+            <a:avLst/>
+          </a:prstGeom>
+          <a:noFill/>
+        </p:spPr>
+        <p:txBody>
+          <a:bodyPr wrap="none" rtlCol="0">
+            <a:spAutoFit/>
+          </a:bodyPr>
+          <a:lstStyle/>
+          <a:p>
+            <a:r>
+              <a:rPr lang="en-US" altLang="zh-CN" dirty="0">
                 <a:solidFill>
                   <a:srgbClr val="C00000"/>
                 </a:solidFill>
               </a:rPr>
-              <a:t>PDF</a:t>
-            </a:r>
-            <a:r>
-              <a:rPr lang="zh-CN" altLang="en-US" dirty="0" smtClean="0">
+              <a:t>2. </a:t>
+            </a:r>
+            <a:r>
+              <a:rPr lang="zh-CN" altLang="en-US" dirty="0">
                 <a:solidFill>
                   <a:srgbClr val="C00000"/>
                 </a:solidFill>
               </a:rPr>
-              <a:t>储存在 </a:t>
-            </a:r>
-            <a:r>
-              <a:rPr lang="en-US" altLang="zh-CN" dirty="0" smtClean="0">
+              <a:t>启动桌面上</a:t>
+            </a:r>
+            <a:r>
+              <a:rPr lang="zh-CN" altLang="en-US" dirty="0">
                 <a:solidFill>
                   <a:srgbClr val="0070C0"/>
                 </a:solidFill>
               </a:rPr>
-              <a:t>D</a:t>
+              <a:t>读取数据和生成</a:t>
             </a:r>
             <a:r>
               <a:rPr lang="en-US" altLang="zh-CN" dirty="0">
@@ -3950,41 +4264,130 @@
                   <a:srgbClr val="0070C0"/>
                 </a:solidFill>
               </a:rPr>
-              <a:t>:\</a:t>
-            </a:r>
-            <a:r>
-              <a:rPr lang="en-US" altLang="zh-CN" dirty="0" smtClean="0">
-                <a:solidFill>
-                  <a:srgbClr val="0070C0"/>
-                </a:solidFill>
-              </a:rPr>
-              <a:t>app\wind-force\service\pdf</a:t>
+              <a:t>PDF.bat</a:t>
+            </a:r>
+            <a:r>
+              <a:rPr lang="zh-CN" altLang="en-US" dirty="0">
+                <a:solidFill>
+                  <a:srgbClr val="C00000"/>
+                </a:solidFill>
+              </a:rPr>
+              <a:t>文件，此过程大概需要</a:t>
             </a:r>
             <a:r>
               <a:rPr lang="en-US" altLang="zh-CN" dirty="0">
                 <a:solidFill>
-                  <a:srgbClr val="0070C0"/>
-                </a:solidFill>
-              </a:rPr>
-              <a:t>\</a:t>
-            </a:r>
-            <a:endParaRPr lang="en-US" altLang="zh-CN" dirty="0" smtClean="0">
+                  <a:srgbClr val="C00000"/>
+                </a:solidFill>
+              </a:rPr>
+              <a:t>1</a:t>
+            </a:r>
+            <a:r>
+              <a:rPr lang="zh-CN" altLang="en-US" dirty="0">
+                <a:solidFill>
+                  <a:srgbClr val="C00000"/>
+                </a:solidFill>
+              </a:rPr>
+              <a:t>分多钟。</a:t>
+            </a:r>
+            <a:endParaRPr lang="en-US" altLang="zh-CN" dirty="0">
               <a:solidFill>
-                <a:srgbClr val="0070C0"/>
+                <a:srgbClr val="C00000"/>
               </a:solidFill>
             </a:endParaRPr>
           </a:p>
           <a:p>
             <a:r>
-              <a:rPr lang="zh-CN" altLang="en-US" dirty="0" smtClean="0">
+              <a:rPr lang="zh-CN" altLang="en-US" dirty="0">
                 <a:solidFill>
                   <a:srgbClr val="C00000"/>
                 </a:solidFill>
               </a:rPr>
+              <a:t>完成后会输出</a:t>
+            </a:r>
+            <a:r>
+              <a:rPr lang="en-US" altLang="zh-CN" dirty="0">
+                <a:solidFill>
+                  <a:srgbClr val="C00000"/>
+                </a:solidFill>
+              </a:rPr>
+              <a:t>PDF</a:t>
+            </a:r>
+            <a:r>
+              <a:rPr lang="zh-CN" altLang="en-US" dirty="0">
+                <a:solidFill>
+                  <a:srgbClr val="C00000"/>
+                </a:solidFill>
+              </a:rPr>
+              <a:t>文件，并且会打开</a:t>
+            </a:r>
+            <a:r>
+              <a:rPr lang="en-US" altLang="zh-CN" dirty="0">
+                <a:solidFill>
+                  <a:srgbClr val="C00000"/>
+                </a:solidFill>
+              </a:rPr>
+              <a:t>PDF</a:t>
+            </a:r>
+            <a:r>
+              <a:rPr lang="zh-CN" altLang="en-US" dirty="0">
+                <a:solidFill>
+                  <a:srgbClr val="C00000"/>
+                </a:solidFill>
+              </a:rPr>
+              <a:t>所在文件夹</a:t>
+            </a:r>
+            <a:endParaRPr lang="en-US" altLang="zh-CN" dirty="0">
+              <a:solidFill>
+                <a:srgbClr val="C00000"/>
+              </a:solidFill>
+            </a:endParaRPr>
+          </a:p>
+          <a:p>
+            <a:r>
+              <a:rPr lang="zh-CN" altLang="en-US" dirty="0">
+                <a:solidFill>
+                  <a:srgbClr val="C00000"/>
+                </a:solidFill>
+              </a:rPr>
+              <a:t>本地</a:t>
+            </a:r>
+            <a:r>
+              <a:rPr lang="en-US" altLang="zh-CN" dirty="0">
+                <a:solidFill>
+                  <a:srgbClr val="C00000"/>
+                </a:solidFill>
+              </a:rPr>
+              <a:t>PDF</a:t>
+            </a:r>
+            <a:r>
+              <a:rPr lang="zh-CN" altLang="en-US" dirty="0">
+                <a:solidFill>
+                  <a:srgbClr val="C00000"/>
+                </a:solidFill>
+              </a:rPr>
+              <a:t>储存在 </a:t>
+            </a:r>
+            <a:r>
+              <a:rPr lang="en-US" altLang="zh-CN" dirty="0">
+                <a:solidFill>
+                  <a:srgbClr val="0070C0"/>
+                </a:solidFill>
+              </a:rPr>
+              <a:t>D:\app\wind-force\service\pdf\</a:t>
+            </a:r>
+          </a:p>
+          <a:p>
+            <a:r>
+              <a:rPr lang="zh-CN" altLang="en-US" dirty="0">
+                <a:solidFill>
+                  <a:srgbClr val="C00000"/>
+                </a:solidFill>
+              </a:rPr>
               <a:t>远程</a:t>
             </a:r>
             <a:r>
-              <a:rPr lang="en-US" altLang="zh-CN" dirty="0" smtClean="0">
+              <a:rPr lang="en-US" altLang="zh-CN" dirty="0">
                 <a:solidFill>
                   <a:srgbClr val="C00000"/>
                 </a:solidFill>
@@ -3992,7 +4395,7 @@
               <a:t>PDF</a:t>
             </a:r>
             <a:r>
-              <a:rPr lang="zh-CN" altLang="en-US" dirty="0" smtClean="0">
+              <a:rPr lang="zh-CN" altLang="en-US" dirty="0">
                 <a:solidFill>
                   <a:srgbClr val="C00000"/>
                 </a:solidFill>
@@ -4000,7 +4403,7 @@
               <a:t>储存在 </a:t>
             </a:r>
             <a:r>
-              <a:rPr lang="en-US" altLang="zh-CN" dirty="0" smtClean="0">
+              <a:rPr lang="en-US" altLang="zh-CN" dirty="0">
                 <a:solidFill>
                   <a:srgbClr val="0070C0"/>
                 </a:solidFill>
@@ -4099,27 +4502,23 @@
           <a:lstStyle/>
           <a:p>
             <a:r>
-              <a:rPr lang="en-US" altLang="zh-CN" dirty="0" smtClean="0"/>
+              <a:rPr lang="en-US" altLang="zh-CN" dirty="0"/>
               <a:t>3. </a:t>
             </a:r>
             <a:r>
-              <a:rPr lang="zh-CN" altLang="en-US" dirty="0" smtClean="0"/>
+              <a:rPr lang="zh-CN" altLang="en-US" dirty="0"/>
               <a:t>检查</a:t>
             </a:r>
             <a:r>
-              <a:rPr lang="en-US" altLang="zh-CN" dirty="0" smtClean="0"/>
+              <a:rPr lang="en-US" altLang="zh-CN" dirty="0"/>
               <a:t>PDF</a:t>
             </a:r>
             <a:r>
-              <a:rPr lang="zh-CN" altLang="en-US" dirty="0" smtClean="0"/>
-              <a:t>是否有误，特别注意读取的数据日期是否正确</a:t>
-            </a:r>
-            <a:r>
-              <a:rPr lang="zh-CN" altLang="en-US" dirty="0" smtClean="0"/>
-              <a:t>。</a:t>
-            </a:r>
-            <a:r>
-              <a:rPr lang="zh-CN" altLang="en-US" dirty="0" smtClean="0">
+              <a:rPr lang="zh-CN" altLang="en-US" dirty="0"/>
+              <a:t>是否有误，特别注意读取的数据日期是否正确。</a:t>
+            </a:r>
+            <a:r>
+              <a:rPr lang="zh-CN" altLang="en-US" dirty="0">
                 <a:solidFill>
                   <a:srgbClr val="C00000"/>
                 </a:solidFill>
@@ -4127,7 +4526,7 @@
               <a:t>检查完</a:t>
             </a:r>
             <a:r>
-              <a:rPr lang="en-US" altLang="zh-CN" dirty="0" smtClean="0">
+              <a:rPr lang="en-US" altLang="zh-CN" dirty="0">
                 <a:solidFill>
                   <a:srgbClr val="C00000"/>
                 </a:solidFill>
@@ -4135,7 +4534,7 @@
               <a:t>pdf</a:t>
             </a:r>
             <a:r>
-              <a:rPr lang="zh-CN" altLang="en-US" dirty="0" smtClean="0">
+              <a:rPr lang="zh-CN" altLang="en-US" dirty="0">
                 <a:solidFill>
                   <a:srgbClr val="C00000"/>
                 </a:solidFill>
@@ -4143,7 +4542,7 @@
               <a:t>后务必关闭</a:t>
             </a:r>
             <a:r>
-              <a:rPr lang="en-US" altLang="zh-CN" dirty="0" smtClean="0">
+              <a:rPr lang="en-US" altLang="zh-CN" dirty="0">
                 <a:solidFill>
                   <a:srgbClr val="C00000"/>
                 </a:solidFill>
@@ -4151,7 +4550,7 @@
               <a:t>pdf</a:t>
             </a:r>
             <a:r>
-              <a:rPr lang="zh-CN" altLang="en-US" dirty="0" smtClean="0">
+              <a:rPr lang="zh-CN" altLang="en-US" dirty="0">
                 <a:solidFill>
                   <a:srgbClr val="C00000"/>
                 </a:solidFill>
@@ -4176,17 +4575,10 @@
   <p:clrMapOvr>
     <a:masterClrMapping/>
   </p:clrMapOvr>
-  <p:timing>
-    <p:tnLst>
-      <p:par>
-        <p:cTn id="1" dur="indefinite" restart="never" nodeType="tmRoot"/>
-      </p:par>
-    </p:tnLst>
-  </p:timing>
 </p:sld>
 </file>
 
-<file path=ppt/slides/slide3.xml><?xml version="1.0" encoding="utf-8"?>
+<file path=ppt/slides/slide4.xml><?xml version="1.0" encoding="utf-8"?>
 <p:sld xmlns:a="http://schemas.openxmlformats.org/drawingml/2006/main" xmlns:r="http://schemas.openxmlformats.org/officeDocument/2006/relationships" xmlns:p="http://schemas.openxmlformats.org/presentationml/2006/main">
   <p:cSld>
     <p:spTree>
@@ -4226,7 +4618,7 @@
           <a:lstStyle/>
           <a:p>
             <a:r>
-              <a:rPr lang="zh-CN" altLang="en-US" sz="3200" dirty="0" smtClean="0">
+              <a:rPr lang="zh-CN" altLang="en-US" sz="3200" dirty="0">
                 <a:solidFill>
                   <a:srgbClr val="C00000"/>
                 </a:solidFill>
@@ -4264,65 +4656,47 @@
           <a:lstStyle/>
           <a:p>
             <a:r>
-              <a:rPr lang="zh-CN" altLang="en-US" dirty="0" smtClean="0"/>
+              <a:rPr lang="zh-CN" altLang="en-US" dirty="0"/>
               <a:t>如果</a:t>
             </a:r>
             <a:r>
-              <a:rPr lang="en-US" altLang="zh-CN" dirty="0" smtClean="0"/>
+              <a:rPr lang="en-US" altLang="zh-CN" dirty="0"/>
               <a:t>PDF</a:t>
             </a:r>
             <a:r>
-              <a:rPr lang="zh-CN" altLang="en-US" dirty="0" smtClean="0"/>
+              <a:rPr lang="zh-CN" altLang="en-US" dirty="0"/>
               <a:t>生成不对，请打开浏览器   </a:t>
-            </a:r>
-            <a:r>
-              <a:rPr lang="en-US" altLang="zh-CN" dirty="0" smtClean="0">
-                <a:hlinkClick r:id="rId2"/>
-              </a:rPr>
-              <a:t>http</a:t>
             </a:r>
             <a:r>
               <a:rPr lang="en-US" altLang="zh-CN" dirty="0">
                 <a:hlinkClick r:id="rId2"/>
               </a:rPr>
-              <a:t>://localhost:8080</a:t>
-            </a:r>
-            <a:r>
-              <a:rPr lang="en-US" altLang="zh-CN" dirty="0" smtClean="0">
-                <a:hlinkClick r:id="rId2"/>
-              </a:rPr>
-              <a:t>/</a:t>
-            </a:r>
-            <a:r>
-              <a:rPr lang="en-US" altLang="zh-CN" dirty="0" smtClean="0"/>
+              <a:t>http://localhost:8080/</a:t>
+            </a:r>
+            <a:r>
+              <a:rPr lang="en-US" altLang="zh-CN" dirty="0"/>
               <a:t> </a:t>
             </a:r>
           </a:p>
           <a:p>
             <a:r>
-              <a:rPr lang="zh-CN" altLang="en-US" dirty="0" smtClean="0"/>
+              <a:rPr lang="zh-CN" altLang="en-US" dirty="0"/>
               <a:t>远程地址</a:t>
             </a:r>
             <a:r>
               <a:rPr lang="en-US" altLang="zh-CN" dirty="0">
                 <a:hlinkClick r:id="rId3"/>
               </a:rPr>
-              <a:t>http://10.148.44.9:8080</a:t>
-            </a:r>
-            <a:r>
-              <a:rPr lang="en-US" altLang="zh-CN" dirty="0" smtClean="0">
-                <a:hlinkClick r:id="rId3"/>
-              </a:rPr>
-              <a:t>/</a:t>
-            </a:r>
-            <a:endParaRPr lang="en-US" altLang="zh-CN" dirty="0" smtClean="0"/>
-          </a:p>
-          <a:p>
-            <a:r>
-              <a:rPr lang="zh-CN" altLang="en-US" dirty="0" smtClean="0"/>
+              <a:t>http://10.148.44.9:8080/</a:t>
+            </a:r>
+            <a:endParaRPr lang="en-US" altLang="zh-CN" dirty="0"/>
+          </a:p>
+          <a:p>
+            <a:r>
+              <a:rPr lang="zh-CN" altLang="en-US" dirty="0"/>
               <a:t>单击头部区域打开编辑框</a:t>
             </a:r>
-            <a:endParaRPr lang="en-US" altLang="zh-CN" dirty="0" smtClean="0"/>
+            <a:endParaRPr lang="en-US" altLang="zh-CN" dirty="0"/>
           </a:p>
         </p:txBody>
       </p:sp>
@@ -4432,17 +4806,9 @@
                   <a:srgbClr val="C00000"/>
                 </a:solidFill>
               </a:rPr>
-              <a:t>从</a:t>
-            </a:r>
-            <a:r>
-              <a:rPr lang="zh-CN" altLang="en-US" dirty="0" smtClean="0">
-                <a:solidFill>
-                  <a:srgbClr val="C00000"/>
-                </a:solidFill>
-              </a:rPr>
-              <a:t>信息中心接口获取数据</a:t>
-            </a:r>
-            <a:endParaRPr lang="en-US" altLang="zh-CN" dirty="0" smtClean="0">
+              <a:t>从信息中心接口获取数据</a:t>
+            </a:r>
+            <a:endParaRPr lang="en-US" altLang="zh-CN" dirty="0">
               <a:solidFill>
                 <a:srgbClr val="C00000"/>
               </a:solidFill>
@@ -4527,7 +4893,7 @@
           <a:lstStyle/>
           <a:p>
             <a:r>
-              <a:rPr lang="zh-CN" altLang="en-US" dirty="0" smtClean="0">
+              <a:rPr lang="zh-CN" altLang="en-US" dirty="0">
                 <a:solidFill>
                   <a:srgbClr val="C00000"/>
                 </a:solidFill>
@@ -4535,7 +4901,7 @@
               <a:t>从本地，也就是步骤</a:t>
             </a:r>
             <a:r>
-              <a:rPr lang="en-US" altLang="zh-CN" dirty="0" smtClean="0">
+              <a:rPr lang="en-US" altLang="zh-CN" dirty="0">
                 <a:solidFill>
                   <a:srgbClr val="C00000"/>
                 </a:solidFill>
@@ -4543,14 +4909,14 @@
               <a:t>2</a:t>
             </a:r>
             <a:r>
-              <a:rPr lang="zh-CN" altLang="en-US" dirty="0" smtClean="0">
+              <a:rPr lang="zh-CN" altLang="en-US" dirty="0">
                 <a:solidFill>
                   <a:srgbClr val="C00000"/>
                 </a:solidFill>
               </a:rPr>
               <a:t>获取数据</a:t>
             </a:r>
-            <a:endParaRPr lang="en-US" altLang="zh-CN" dirty="0" smtClean="0">
+            <a:endParaRPr lang="en-US" altLang="zh-CN" dirty="0">
               <a:solidFill>
                 <a:srgbClr val="C00000"/>
               </a:solidFill>
@@ -4586,14 +4952,14 @@
           <a:lstStyle/>
           <a:p>
             <a:r>
-              <a:rPr lang="zh-CN" altLang="en-US" dirty="0" smtClean="0">
+              <a:rPr lang="zh-CN" altLang="en-US" dirty="0">
                 <a:solidFill>
                   <a:srgbClr val="C00000"/>
                 </a:solidFill>
               </a:rPr>
               <a:t>调整日期</a:t>
             </a:r>
-            <a:endParaRPr lang="en-US" altLang="zh-CN" dirty="0" smtClean="0">
+            <a:endParaRPr lang="en-US" altLang="zh-CN" dirty="0">
               <a:solidFill>
                 <a:srgbClr val="C00000"/>
               </a:solidFill>
@@ -4660,17 +5026,10 @@
   <p:clrMapOvr>
     <a:masterClrMapping/>
   </p:clrMapOvr>
-  <p:timing>
-    <p:tnLst>
-      <p:par>
-        <p:cTn id="1" dur="indefinite" restart="never" nodeType="tmRoot"/>
-      </p:par>
-    </p:tnLst>
-  </p:timing>
 </p:sld>
 </file>
 
-<file path=ppt/slides/slide4.xml><?xml version="1.0" encoding="utf-8"?>
+<file path=ppt/slides/slide5.xml><?xml version="1.0" encoding="utf-8"?>
 <p:sld xmlns:a="http://schemas.openxmlformats.org/drawingml/2006/main" xmlns:r="http://schemas.openxmlformats.org/officeDocument/2006/relationships" xmlns:p="http://schemas.openxmlformats.org/presentationml/2006/main">
   <p:cSld>
     <p:spTree>
@@ -4855,18 +5214,13 @@
           <a:lstStyle/>
           <a:p>
             <a:r>
-              <a:rPr lang="zh-CN" altLang="en-US" sz="1400" dirty="0" smtClean="0">
+              <a:rPr lang="zh-CN" altLang="en-US" sz="1400" dirty="0">
                 <a:solidFill>
                   <a:srgbClr val="C00000"/>
                 </a:solidFill>
               </a:rPr>
               <a:t>鼠标单击红框标题内可弹出编辑区，再次单击隐藏</a:t>
             </a:r>
-            <a:endParaRPr lang="zh-CN" altLang="en-US" sz="1400" dirty="0">
-              <a:solidFill>
-                <a:srgbClr val="C00000"/>
-              </a:solidFill>
-            </a:endParaRPr>
           </a:p>
         </p:txBody>
       </p:sp>
@@ -4895,14 +5249,14 @@
           <a:lstStyle/>
           <a:p>
             <a:r>
-              <a:rPr lang="zh-CN" altLang="en-US" dirty="0" smtClean="0">
+              <a:rPr lang="zh-CN" altLang="en-US" dirty="0">
                 <a:solidFill>
                   <a:srgbClr val="0070C0"/>
                 </a:solidFill>
               </a:rPr>
               <a:t>蓝色框内为可编辑区，</a:t>
             </a:r>
-            <a:endParaRPr lang="en-US" altLang="zh-CN" dirty="0" smtClean="0">
+            <a:endParaRPr lang="en-US" altLang="zh-CN" dirty="0">
               <a:solidFill>
                 <a:srgbClr val="0070C0"/>
               </a:solidFill>
@@ -4910,18 +5264,13 @@
           </a:p>
           <a:p>
             <a:r>
-              <a:rPr lang="zh-CN" altLang="en-US" dirty="0" smtClean="0">
+              <a:rPr lang="zh-CN" altLang="en-US" dirty="0">
                 <a:solidFill>
                   <a:srgbClr val="0070C0"/>
                 </a:solidFill>
               </a:rPr>
               <a:t>可增删文字内容</a:t>
             </a:r>
-            <a:endParaRPr lang="zh-CN" altLang="en-US" dirty="0">
-              <a:solidFill>
-                <a:srgbClr val="0070C0"/>
-              </a:solidFill>
-            </a:endParaRPr>
           </a:p>
         </p:txBody>
       </p:sp>
@@ -4996,85 +5345,13 @@
           <a:lstStyle/>
           <a:p>
             <a:r>
-              <a:rPr lang="zh-CN" altLang="en-US" dirty="0" smtClean="0">
+              <a:rPr lang="zh-CN" altLang="en-US" dirty="0">
                 <a:solidFill>
                   <a:srgbClr val="0070C0"/>
                 </a:solidFill>
               </a:rPr>
               <a:t>改好后，单击打印</a:t>
             </a:r>
-            <a:endParaRPr lang="en-US" altLang="zh-CN" dirty="0" smtClean="0">
-              <a:solidFill>
-                <a:srgbClr val="0070C0"/>
-              </a:solidFill>
-            </a:endParaRPr>
-          </a:p>
-          <a:p>
-            <a:r>
-              <a:rPr lang="zh-CN" altLang="en-US" dirty="0" smtClean="0">
-                <a:solidFill>
-                  <a:srgbClr val="0070C0"/>
-                </a:solidFill>
-              </a:rPr>
-              <a:t>另存为</a:t>
-            </a:r>
-            <a:r>
-              <a:rPr lang="en-US" altLang="zh-CN" dirty="0" smtClean="0">
-                <a:solidFill>
-                  <a:srgbClr val="0070C0"/>
-                </a:solidFill>
-              </a:rPr>
-              <a:t>PDF.</a:t>
-            </a:r>
-          </a:p>
-          <a:p>
-            <a:r>
-              <a:rPr lang="zh-CN" altLang="en-US" dirty="0" smtClean="0">
-                <a:solidFill>
-                  <a:srgbClr val="0070C0"/>
-                </a:solidFill>
-              </a:rPr>
-              <a:t>把</a:t>
-            </a:r>
-            <a:r>
-              <a:rPr lang="en-US" altLang="zh-CN" dirty="0" smtClean="0">
-                <a:solidFill>
-                  <a:srgbClr val="0070C0"/>
-                </a:solidFill>
-              </a:rPr>
-              <a:t>PDF</a:t>
-            </a:r>
-            <a:r>
-              <a:rPr lang="zh-CN" altLang="en-US" dirty="0" smtClean="0">
-                <a:solidFill>
-                  <a:srgbClr val="0070C0"/>
-                </a:solidFill>
-              </a:rPr>
-              <a:t>保存到</a:t>
-            </a:r>
-            <a:endParaRPr lang="en-US" altLang="zh-CN" dirty="0" smtClean="0">
-              <a:solidFill>
-                <a:srgbClr val="0070C0"/>
-              </a:solidFill>
-            </a:endParaRPr>
-          </a:p>
-          <a:p>
-            <a:r>
-              <a:rPr lang="en-US" altLang="zh-CN" dirty="0" smtClean="0">
-                <a:solidFill>
-                  <a:srgbClr val="0070C0"/>
-                </a:solidFill>
-                <a:hlinkClick r:id="rId4" action="ppaction://hlinkfile"/>
-              </a:rPr>
-              <a:t>\\10.148.16.32\e\ssow\email\</a:t>
-            </a:r>
-            <a:endParaRPr lang="en-US" altLang="zh-CN" dirty="0" smtClean="0">
-              <a:solidFill>
-                <a:srgbClr val="0070C0"/>
-              </a:solidFill>
-            </a:endParaRPr>
-          </a:p>
-          <a:p>
             <a:endParaRPr lang="en-US" altLang="zh-CN" dirty="0">
               <a:solidFill>
                 <a:srgbClr val="0070C0"/>
@@ -5083,14 +5360,48 @@
           </a:p>
           <a:p>
             <a:r>
-              <a:rPr lang="zh-CN" altLang="en-US" dirty="0" smtClean="0">
+              <a:rPr lang="zh-CN" altLang="en-US" dirty="0">
                 <a:solidFill>
                   <a:srgbClr val="0070C0"/>
                 </a:solidFill>
               </a:rPr>
-              <a:t>文件名：</a:t>
-            </a:r>
-            <a:endParaRPr lang="en-US" altLang="zh-CN" dirty="0" smtClean="0">
+              <a:t>另存为</a:t>
+            </a:r>
+            <a:r>
+              <a:rPr lang="en-US" altLang="zh-CN" dirty="0">
+                <a:solidFill>
+                  <a:srgbClr val="0070C0"/>
+                </a:solidFill>
+              </a:rPr>
+              <a:t>PDF.</a:t>
+            </a:r>
+          </a:p>
+          <a:p>
+            <a:r>
+              <a:rPr lang="zh-CN" altLang="en-US" dirty="0">
+                <a:solidFill>
+                  <a:srgbClr val="0070C0"/>
+                </a:solidFill>
+              </a:rPr>
+              <a:t>把</a:t>
+            </a:r>
+            <a:r>
+              <a:rPr lang="en-US" altLang="zh-CN" dirty="0">
+                <a:solidFill>
+                  <a:srgbClr val="0070C0"/>
+                </a:solidFill>
+              </a:rPr>
+              <a:t>PDF</a:t>
+            </a:r>
+            <a:r>
+              <a:rPr lang="zh-CN" altLang="en-US" dirty="0">
+                <a:solidFill>
+                  <a:srgbClr val="0070C0"/>
+                </a:solidFill>
+              </a:rPr>
+              <a:t>保存到</a:t>
+            </a:r>
+            <a:endParaRPr lang="en-US" altLang="zh-CN" dirty="0">
               <a:solidFill>
                 <a:srgbClr val="0070C0"/>
               </a:solidFill>
@@ -5098,28 +5409,61 @@
           </a:p>
           <a:p>
             <a:r>
-              <a:rPr lang="en-US" altLang="zh-CN" dirty="0" smtClean="0">
-                <a:solidFill>
-                  <a:srgbClr val="C00000"/>
-                </a:solidFill>
-              </a:rPr>
-              <a:t>HZ25-10-1-YYMMDDHH.pdf</a:t>
-            </a:r>
-          </a:p>
-          <a:p>
-            <a:r>
-              <a:rPr lang="zh-CN" altLang="en-US" dirty="0" smtClean="0">
+              <a:rPr lang="en-US" altLang="zh-CN" dirty="0">
                 <a:solidFill>
                   <a:srgbClr val="0070C0"/>
                 </a:solidFill>
-              </a:rPr>
-              <a:t>日期为北京时</a:t>
-            </a:r>
-            <a:endParaRPr lang="zh-CN" altLang="en-US" dirty="0">
+                <a:hlinkClick r:id="rId4" action="ppaction://hlinkfile"/>
+              </a:rPr>
+              <a:t>\\10.148.16.32\e\ssow\email\</a:t>
+            </a:r>
+            <a:endParaRPr lang="en-US" altLang="zh-CN" dirty="0">
               <a:solidFill>
                 <a:srgbClr val="0070C0"/>
               </a:solidFill>
             </a:endParaRPr>
+          </a:p>
+          <a:p>
+            <a:endParaRPr lang="en-US" altLang="zh-CN" dirty="0">
+              <a:solidFill>
+                <a:srgbClr val="0070C0"/>
+              </a:solidFill>
+            </a:endParaRPr>
+          </a:p>
+          <a:p>
+            <a:r>
+              <a:rPr lang="zh-CN" altLang="en-US" dirty="0">
+                <a:solidFill>
+                  <a:srgbClr val="0070C0"/>
+                </a:solidFill>
+              </a:rPr>
+              <a:t>文件名：</a:t>
+            </a:r>
+            <a:endParaRPr lang="en-US" altLang="zh-CN" dirty="0">
+              <a:solidFill>
+                <a:srgbClr val="0070C0"/>
+              </a:solidFill>
+            </a:endParaRPr>
+          </a:p>
+          <a:p>
+            <a:r>
+              <a:rPr lang="en-US" altLang="zh-CN" dirty="0">
+                <a:solidFill>
+                  <a:srgbClr val="C00000"/>
+                </a:solidFill>
+              </a:rPr>
+              <a:t>HZ25-10-1-YYMMDDHH.pdf</a:t>
+            </a:r>
+          </a:p>
+          <a:p>
+            <a:r>
+              <a:rPr lang="zh-CN" altLang="en-US" dirty="0">
+                <a:solidFill>
+                  <a:srgbClr val="0070C0"/>
+                </a:solidFill>
+              </a:rPr>
+              <a:t>日期为北京时</a:t>
+            </a:r>
           </a:p>
         </p:txBody>
       </p:sp>
@@ -5162,17 +5506,10 @@
   <p:clrMapOvr>
     <a:masterClrMapping/>
   </p:clrMapOvr>
-  <p:timing>
-    <p:tnLst>
-      <p:par>
-        <p:cTn id="1" dur="indefinite" restart="never" nodeType="tmRoot"/>
-      </p:par>
-    </p:tnLst>
-  </p:timing>
 </p:sld>
 </file>
 
-<file path=ppt/slides/slide5.xml><?xml version="1.0" encoding="utf-8"?>
+<file path=ppt/slides/slide6.xml><?xml version="1.0" encoding="utf-8"?>
 <p:sld xmlns:a="http://schemas.openxmlformats.org/drawingml/2006/main" xmlns:r="http://schemas.openxmlformats.org/officeDocument/2006/relationships" xmlns:p="http://schemas.openxmlformats.org/presentationml/2006/main">
   <p:cSld>
     <p:spTree>
@@ -5212,10 +5549,9 @@
           <a:lstStyle/>
           <a:p>
             <a:r>
-              <a:rPr lang="zh-CN" altLang="en-US" sz="3200" dirty="0" smtClean="0"/>
+              <a:rPr lang="zh-CN" altLang="en-US" sz="3200" dirty="0"/>
               <a:t>有其他问题联系韩浦城</a:t>
             </a:r>
-            <a:endParaRPr lang="zh-CN" altLang="en-US" sz="3200" dirty="0"/>
           </a:p>
         </p:txBody>
       </p:sp>
@@ -5242,26 +5578,26 @@
           <a:lstStyle/>
           <a:p>
             <a:r>
-              <a:rPr lang="zh-CN" altLang="en-US" sz="2000" dirty="0" smtClean="0"/>
+              <a:rPr lang="zh-CN" altLang="en-US" sz="2000" dirty="0"/>
               <a:t>保证挂载</a:t>
             </a:r>
             <a:r>
-              <a:rPr lang="en-US" altLang="zh-CN" sz="2000" dirty="0" smtClean="0"/>
+              <a:rPr lang="en-US" altLang="zh-CN" sz="2000" dirty="0"/>
               <a:t>2</a:t>
             </a:r>
             <a:r>
-              <a:rPr lang="zh-CN" altLang="en-US" sz="2000" dirty="0" smtClean="0"/>
+              <a:rPr lang="zh-CN" altLang="en-US" sz="2000" dirty="0"/>
               <a:t>个网络位置，挂载掉了请</a:t>
             </a:r>
             <a:r>
-              <a:rPr lang="zh-CN" altLang="en-US" sz="2000" dirty="0" smtClean="0">
+              <a:rPr lang="zh-CN" altLang="en-US" sz="2000" dirty="0">
                 <a:solidFill>
                   <a:srgbClr val="C00000"/>
                 </a:solidFill>
               </a:rPr>
               <a:t>“添加一个网络位置”</a:t>
             </a:r>
-            <a:endParaRPr lang="en-US" altLang="zh-CN" sz="2000" dirty="0" smtClean="0">
+            <a:endParaRPr lang="en-US" altLang="zh-CN" sz="2000" dirty="0">
               <a:solidFill>
                 <a:srgbClr val="C00000"/>
               </a:solidFill>
@@ -5269,22 +5605,17 @@
           </a:p>
           <a:p>
             <a:r>
-              <a:rPr lang="zh-CN" altLang="en-US" sz="2000" dirty="0" smtClean="0"/>
+              <a:rPr lang="zh-CN" altLang="en-US" sz="2000" dirty="0"/>
               <a:t>注意不是</a:t>
             </a:r>
             <a:r>
-              <a:rPr lang="zh-CN" altLang="en-US" sz="2000" strike="sngStrike" dirty="0" smtClean="0">
+              <a:rPr lang="zh-CN" altLang="en-US" sz="2000" strike="sngStrike" dirty="0">
                 <a:solidFill>
                   <a:srgbClr val="C00000"/>
                 </a:solidFill>
               </a:rPr>
               <a:t>映射网络驱动器</a:t>
             </a:r>
-            <a:endParaRPr lang="zh-CN" altLang="en-US" sz="2000" strike="sngStrike" dirty="0">
-              <a:solidFill>
-                <a:srgbClr val="C00000"/>
-              </a:solidFill>
-            </a:endParaRPr>
           </a:p>
         </p:txBody>
       </p:sp>
@@ -5335,13 +5666,8 @@
           <a:p>
             <a:r>
               <a:rPr lang="zh-CN" altLang="en-US" dirty="0"/>
-              <a:t>\\10.148.16.19</a:t>
-            </a:r>
-            <a:r>
-              <a:rPr lang="zh-CN" altLang="en-US" dirty="0" smtClean="0"/>
-              <a:t>\d\</a:t>
-            </a:r>
-            <a:endParaRPr lang="zh-CN" altLang="en-US" dirty="0"/>
+              <a:t>\\10.148.16.19\d\</a:t>
+            </a:r>
           </a:p>
         </p:txBody>
       </p:sp>
@@ -5367,27 +5693,23 @@
           <a:lstStyle/>
           <a:p>
             <a:r>
-              <a:rPr lang="zh-CN" altLang="en-US" dirty="0" smtClean="0"/>
+              <a:rPr lang="zh-CN" altLang="en-US" dirty="0"/>
               <a:t>账号</a:t>
             </a:r>
             <a:r>
-              <a:rPr lang="en-US" altLang="zh-CN" dirty="0" err="1" smtClean="0"/>
+              <a:rPr lang="en-US" altLang="zh-CN" dirty="0" err="1"/>
               <a:t>dq</a:t>
             </a:r>
             <a:r>
               <a:rPr lang="en-US" altLang="zh-CN" dirty="0"/>
-              <a:t> </a:t>
-            </a:r>
-            <a:r>
-              <a:rPr lang="en-US" altLang="zh-CN" dirty="0" smtClean="0"/>
-              <a:t> </a:t>
-            </a:r>
-            <a:r>
-              <a:rPr lang="zh-CN" altLang="en-US" dirty="0" smtClean="0"/>
+              <a:t>  </a:t>
+            </a:r>
+            <a:r>
+              <a:rPr lang="zh-CN" altLang="en-US" dirty="0"/>
               <a:t>密码</a:t>
             </a:r>
             <a:r>
-              <a:rPr lang="en-US" altLang="zh-CN" dirty="0" err="1" smtClean="0"/>
+              <a:rPr lang="en-US" altLang="zh-CN" dirty="0" err="1"/>
               <a:t>dqdq</a:t>
             </a:r>
             <a:endParaRPr lang="zh-CN" altLang="en-US" dirty="0"/>
@@ -5417,11 +5739,7 @@
           <a:p>
             <a:r>
               <a:rPr lang="en-US" altLang="zh-CN" dirty="0"/>
-              <a:t>\\</a:t>
-            </a:r>
-            <a:r>
-              <a:rPr lang="en-US" altLang="zh-CN" dirty="0" smtClean="0"/>
-              <a:t>10.148.16.32\e</a:t>
+              <a:t>\\10.148.16.32\e</a:t>
             </a:r>
             <a:endParaRPr lang="zh-CN" altLang="en-US" dirty="0"/>
           </a:p>
@@ -5461,13 +5779,6 @@
   <p:clrMapOvr>
     <a:masterClrMapping/>
   </p:clrMapOvr>
-  <p:timing>
-    <p:tnLst>
-      <p:par>
-        <p:cTn id="1" dur="indefinite" restart="never" nodeType="tmRoot"/>
-      </p:par>
-    </p:tnLst>
-  </p:timing>
 </p:sld>
 </file>
 
